--- a/MRI Together/Figure.pptx
+++ b/MRI Together/Figure.pptx
@@ -261,7 +261,7 @@
           <a:p>
             <a:fld id="{BA3ACEC2-8D56-44D4-A07D-D28DD774743D}" type="datetimeFigureOut">
               <a:rPr lang="en-US" smtClean="0"/>
-              <a:t>9/29/2022</a:t>
+              <a:t>10/4/2022</a:t>
             </a:fld>
             <a:endParaRPr lang="en-US"/>
           </a:p>
@@ -461,7 +461,7 @@
           <a:p>
             <a:fld id="{BA3ACEC2-8D56-44D4-A07D-D28DD774743D}" type="datetimeFigureOut">
               <a:rPr lang="en-US" smtClean="0"/>
-              <a:t>9/29/2022</a:t>
+              <a:t>10/4/2022</a:t>
             </a:fld>
             <a:endParaRPr lang="en-US"/>
           </a:p>
@@ -671,7 +671,7 @@
           <a:p>
             <a:fld id="{BA3ACEC2-8D56-44D4-A07D-D28DD774743D}" type="datetimeFigureOut">
               <a:rPr lang="en-US" smtClean="0"/>
-              <a:t>9/29/2022</a:t>
+              <a:t>10/4/2022</a:t>
             </a:fld>
             <a:endParaRPr lang="en-US"/>
           </a:p>
@@ -871,7 +871,7 @@
           <a:p>
             <a:fld id="{BA3ACEC2-8D56-44D4-A07D-D28DD774743D}" type="datetimeFigureOut">
               <a:rPr lang="en-US" smtClean="0"/>
-              <a:t>9/29/2022</a:t>
+              <a:t>10/4/2022</a:t>
             </a:fld>
             <a:endParaRPr lang="en-US"/>
           </a:p>
@@ -1147,7 +1147,7 @@
           <a:p>
             <a:fld id="{BA3ACEC2-8D56-44D4-A07D-D28DD774743D}" type="datetimeFigureOut">
               <a:rPr lang="en-US" smtClean="0"/>
-              <a:t>9/29/2022</a:t>
+              <a:t>10/4/2022</a:t>
             </a:fld>
             <a:endParaRPr lang="en-US"/>
           </a:p>
@@ -1415,7 +1415,7 @@
           <a:p>
             <a:fld id="{BA3ACEC2-8D56-44D4-A07D-D28DD774743D}" type="datetimeFigureOut">
               <a:rPr lang="en-US" smtClean="0"/>
-              <a:t>9/29/2022</a:t>
+              <a:t>10/4/2022</a:t>
             </a:fld>
             <a:endParaRPr lang="en-US"/>
           </a:p>
@@ -1830,7 +1830,7 @@
           <a:p>
             <a:fld id="{BA3ACEC2-8D56-44D4-A07D-D28DD774743D}" type="datetimeFigureOut">
               <a:rPr lang="en-US" smtClean="0"/>
-              <a:t>9/29/2022</a:t>
+              <a:t>10/4/2022</a:t>
             </a:fld>
             <a:endParaRPr lang="en-US"/>
           </a:p>
@@ -1972,7 +1972,7 @@
           <a:p>
             <a:fld id="{BA3ACEC2-8D56-44D4-A07D-D28DD774743D}" type="datetimeFigureOut">
               <a:rPr lang="en-US" smtClean="0"/>
-              <a:t>9/29/2022</a:t>
+              <a:t>10/4/2022</a:t>
             </a:fld>
             <a:endParaRPr lang="en-US"/>
           </a:p>
@@ -2085,7 +2085,7 @@
           <a:p>
             <a:fld id="{BA3ACEC2-8D56-44D4-A07D-D28DD774743D}" type="datetimeFigureOut">
               <a:rPr lang="en-US" smtClean="0"/>
-              <a:t>9/29/2022</a:t>
+              <a:t>10/4/2022</a:t>
             </a:fld>
             <a:endParaRPr lang="en-US"/>
           </a:p>
@@ -2398,7 +2398,7 @@
           <a:p>
             <a:fld id="{BA3ACEC2-8D56-44D4-A07D-D28DD774743D}" type="datetimeFigureOut">
               <a:rPr lang="en-US" smtClean="0"/>
-              <a:t>9/29/2022</a:t>
+              <a:t>10/4/2022</a:t>
             </a:fld>
             <a:endParaRPr lang="en-US"/>
           </a:p>
@@ -2687,7 +2687,7 @@
           <a:p>
             <a:fld id="{BA3ACEC2-8D56-44D4-A07D-D28DD774743D}" type="datetimeFigureOut">
               <a:rPr lang="en-US" smtClean="0"/>
-              <a:t>9/29/2022</a:t>
+              <a:t>10/4/2022</a:t>
             </a:fld>
             <a:endParaRPr lang="en-US"/>
           </a:p>
@@ -2930,7 +2930,7 @@
           <a:p>
             <a:fld id="{BA3ACEC2-8D56-44D4-A07D-D28DD774743D}" type="datetimeFigureOut">
               <a:rPr lang="en-US" smtClean="0"/>
-              <a:t>9/29/2022</a:t>
+              <a:t>10/4/2022</a:t>
             </a:fld>
             <a:endParaRPr lang="en-US"/>
           </a:p>
@@ -3347,12 +3347,99 @@
           <a:chExt cx="0" cy="0"/>
         </a:xfrm>
       </p:grpSpPr>
+      <p:sp>
+        <p:nvSpPr>
+          <p:cNvPr id="49" name="Rechteck 48">
+            <a:extLst>
+              <a:ext uri="{FF2B5EF4-FFF2-40B4-BE49-F238E27FC236}">
+                <a16:creationId xmlns:a16="http://schemas.microsoft.com/office/drawing/2014/main" id="{775BC01F-C347-539C-1916-111F78548C8D}"/>
+              </a:ext>
+            </a:extLst>
+          </p:cNvPr>
+          <p:cNvSpPr/>
+          <p:nvPr/>
+        </p:nvSpPr>
+        <p:spPr>
+          <a:xfrm>
+            <a:off x="4318161" y="3331968"/>
+            <a:ext cx="2649856" cy="2601244"/>
+          </a:xfrm>
+          <a:prstGeom prst="rect">
+            <a:avLst/>
+          </a:prstGeom>
+          <a:effectLst>
+            <a:outerShdw blurRad="50800" dist="38100" dir="2700000" algn="tl" rotWithShape="0">
+              <a:prstClr val="black">
+                <a:alpha val="40000"/>
+              </a:prstClr>
+            </a:outerShdw>
+          </a:effectLst>
+        </p:spPr>
+        <p:style>
+          <a:lnRef idx="2">
+            <a:schemeClr val="dk1"/>
+          </a:lnRef>
+          <a:fillRef idx="1">
+            <a:schemeClr val="lt1"/>
+          </a:fillRef>
+          <a:effectRef idx="0">
+            <a:schemeClr val="dk1"/>
+          </a:effectRef>
+          <a:fontRef idx="minor">
+            <a:schemeClr val="dk1"/>
+          </a:fontRef>
+        </p:style>
+        <p:txBody>
+          <a:bodyPr rtlCol="0" anchor="ctr"/>
+          <a:lstStyle/>
+          <a:p>
+            <a:pPr algn="ctr"/>
+            <a:endParaRPr lang="en-US"/>
+          </a:p>
+        </p:txBody>
+      </p:sp>
+      <p:sp>
+        <p:nvSpPr>
+          <p:cNvPr id="50" name="Textfeld 49">
+            <a:extLst>
+              <a:ext uri="{FF2B5EF4-FFF2-40B4-BE49-F238E27FC236}">
+                <a16:creationId xmlns:a16="http://schemas.microsoft.com/office/drawing/2014/main" id="{6C5F3860-B97E-6E5A-72EF-6208419DEF15}"/>
+              </a:ext>
+            </a:extLst>
+          </p:cNvPr>
+          <p:cNvSpPr txBox="1"/>
+          <p:nvPr/>
+        </p:nvSpPr>
+        <p:spPr>
+          <a:xfrm>
+            <a:off x="4318160" y="3331968"/>
+            <a:ext cx="2649857" cy="338554"/>
+          </a:xfrm>
+          <a:prstGeom prst="rect">
+            <a:avLst/>
+          </a:prstGeom>
+          <a:noFill/>
+        </p:spPr>
+        <p:txBody>
+          <a:bodyPr wrap="square" rtlCol="0">
+            <a:spAutoFit/>
+          </a:bodyPr>
+          <a:lstStyle/>
+          <a:p>
+            <a:pPr algn="ctr"/>
+            <a:r>
+              <a:rPr lang="en-US" sz="1600" dirty="0"/>
+              <a:t>Signal</a:t>
+            </a:r>
+          </a:p>
+        </p:txBody>
+      </p:sp>
       <p:grpSp>
         <p:nvGrpSpPr>
-          <p:cNvPr id="40" name="Gruppieren 39">
-            <a:extLst>
-              <a:ext uri="{FF2B5EF4-FFF2-40B4-BE49-F238E27FC236}">
-                <a16:creationId xmlns:a16="http://schemas.microsoft.com/office/drawing/2014/main" id="{ECC4DD9B-92FD-02BD-47F6-575030005807}"/>
+          <p:cNvPr id="55" name="Gruppieren 54">
+            <a:extLst>
+              <a:ext uri="{FF2B5EF4-FFF2-40B4-BE49-F238E27FC236}">
+                <a16:creationId xmlns:a16="http://schemas.microsoft.com/office/drawing/2014/main" id="{551D5157-849F-9965-604B-AD4910A6B8E8}"/>
               </a:ext>
             </a:extLst>
           </p:cNvPr>
@@ -3361,481 +3448,7 @@
         </p:nvGrpSpPr>
         <p:grpSpPr>
           <a:xfrm>
-            <a:off x="7880350" y="2270125"/>
-            <a:ext cx="3168650" cy="2466976"/>
-            <a:chOff x="3784600" y="1552575"/>
-            <a:chExt cx="3168650" cy="2466976"/>
-          </a:xfrm>
-        </p:grpSpPr>
-        <p:sp>
-          <p:nvSpPr>
-            <p:cNvPr id="39" name="Rechteck 38">
-              <a:extLst>
-                <a:ext uri="{FF2B5EF4-FFF2-40B4-BE49-F238E27FC236}">
-                  <a16:creationId xmlns:a16="http://schemas.microsoft.com/office/drawing/2014/main" id="{659AE74D-E16D-1D3A-7467-C9B43FB80F45}"/>
-                </a:ext>
-              </a:extLst>
-            </p:cNvPr>
-            <p:cNvSpPr/>
-            <p:nvPr/>
-          </p:nvSpPr>
-          <p:spPr>
-            <a:xfrm>
-              <a:off x="3784600" y="1552575"/>
-              <a:ext cx="3168650" cy="2466976"/>
-            </a:xfrm>
-            <a:prstGeom prst="rect">
-              <a:avLst/>
-            </a:prstGeom>
-            <a:solidFill>
-              <a:schemeClr val="bg1"/>
-            </a:solidFill>
-            <a:ln>
-              <a:solidFill>
-                <a:schemeClr val="tx1"/>
-              </a:solidFill>
-            </a:ln>
-            <a:effectLst>
-              <a:outerShdw blurRad="50800" dist="38100" dir="2700000" algn="tl" rotWithShape="0">
-                <a:prstClr val="black">
-                  <a:alpha val="40000"/>
-                </a:prstClr>
-              </a:outerShdw>
-            </a:effectLst>
-          </p:spPr>
-          <p:style>
-            <a:lnRef idx="2">
-              <a:schemeClr val="accent1">
-                <a:shade val="50000"/>
-              </a:schemeClr>
-            </a:lnRef>
-            <a:fillRef idx="1">
-              <a:schemeClr val="accent1"/>
-            </a:fillRef>
-            <a:effectRef idx="0">
-              <a:schemeClr val="accent1"/>
-            </a:effectRef>
-            <a:fontRef idx="minor">
-              <a:schemeClr val="lt1"/>
-            </a:fontRef>
-          </p:style>
-          <p:txBody>
-            <a:bodyPr rtlCol="0" anchor="ctr"/>
-            <a:lstStyle/>
-            <a:p>
-              <a:pPr algn="ctr"/>
-              <a:endParaRPr lang="en-US"/>
-            </a:p>
-          </p:txBody>
-        </p:sp>
-        <p:sp>
-          <p:nvSpPr>
-            <p:cNvPr id="35" name="Textfeld 34">
-              <a:extLst>
-                <a:ext uri="{FF2B5EF4-FFF2-40B4-BE49-F238E27FC236}">
-                  <a16:creationId xmlns:a16="http://schemas.microsoft.com/office/drawing/2014/main" id="{5346B39B-B121-DD55-F1F2-1466950C6BAD}"/>
-                </a:ext>
-              </a:extLst>
-            </p:cNvPr>
-            <p:cNvSpPr txBox="1"/>
-            <p:nvPr/>
-          </p:nvSpPr>
-          <p:spPr>
-            <a:xfrm>
-              <a:off x="5367809" y="1580211"/>
-              <a:ext cx="1557811" cy="338554"/>
-            </a:xfrm>
-            <a:prstGeom prst="rect">
-              <a:avLst/>
-            </a:prstGeom>
-            <a:noFill/>
-          </p:spPr>
-          <p:txBody>
-            <a:bodyPr wrap="square" rtlCol="0">
-              <a:spAutoFit/>
-            </a:bodyPr>
-            <a:lstStyle/>
-            <a:p>
-              <a:pPr algn="ctr"/>
-              <a:r>
-                <a:rPr lang="en-US" sz="1600" dirty="0"/>
-                <a:t>Measurement</a:t>
-              </a:r>
-            </a:p>
-          </p:txBody>
-        </p:sp>
-        <p:sp>
-          <p:nvSpPr>
-            <p:cNvPr id="34" name="Textfeld 33">
-              <a:extLst>
-                <a:ext uri="{FF2B5EF4-FFF2-40B4-BE49-F238E27FC236}">
-                  <a16:creationId xmlns:a16="http://schemas.microsoft.com/office/drawing/2014/main" id="{EC86F98F-AF0F-18EE-E8CD-0DE4B75A6CBA}"/>
-                </a:ext>
-              </a:extLst>
-            </p:cNvPr>
-            <p:cNvSpPr txBox="1"/>
-            <p:nvPr/>
-          </p:nvSpPr>
-          <p:spPr>
-            <a:xfrm>
-              <a:off x="3810000" y="1580211"/>
-              <a:ext cx="1557811" cy="338554"/>
-            </a:xfrm>
-            <a:prstGeom prst="rect">
-              <a:avLst/>
-            </a:prstGeom>
-            <a:noFill/>
-          </p:spPr>
-          <p:txBody>
-            <a:bodyPr wrap="square" rtlCol="0">
-              <a:spAutoFit/>
-            </a:bodyPr>
-            <a:lstStyle/>
-            <a:p>
-              <a:pPr algn="ctr"/>
-              <a:r>
-                <a:rPr lang="en-US" sz="1600" dirty="0"/>
-                <a:t>PDG Simulation</a:t>
-              </a:r>
-            </a:p>
-          </p:txBody>
-        </p:sp>
-        <p:pic>
-          <p:nvPicPr>
-            <p:cNvPr id="1026" name="Picture 2">
-              <a:extLst>
-                <a:ext uri="{FF2B5EF4-FFF2-40B4-BE49-F238E27FC236}">
-                  <a16:creationId xmlns:a16="http://schemas.microsoft.com/office/drawing/2014/main" id="{A98849B0-110B-386F-772A-B5B6D77F14C4}"/>
-                </a:ext>
-              </a:extLst>
-            </p:cNvPr>
-            <p:cNvPicPr>
-              <a:picLocks noChangeAspect="1" noChangeArrowheads="1"/>
-            </p:cNvPicPr>
-            <p:nvPr/>
-          </p:nvPicPr>
-          <p:blipFill>
-            <a:blip r:embed="rId2">
-              <a:extLst>
-                <a:ext uri="{28A0092B-C50C-407E-A947-70E740481C1C}">
-                  <a14:useLocalDpi xmlns:a14="http://schemas.microsoft.com/office/drawing/2010/main" val="0"/>
-                </a:ext>
-              </a:extLst>
-            </a:blip>
-            <a:srcRect/>
-            <a:stretch>
-              <a:fillRect/>
-            </a:stretch>
-          </p:blipFill>
-          <p:spPr bwMode="auto">
-            <a:xfrm>
-              <a:off x="5367810" y="1916438"/>
-              <a:ext cx="1557812" cy="2076442"/>
-            </a:xfrm>
-            <a:prstGeom prst="rect">
-              <a:avLst/>
-            </a:prstGeom>
-            <a:noFill/>
-            <a:extLst>
-              <a:ext uri="{909E8E84-426E-40DD-AFC4-6F175D3DCCD1}">
-                <a14:hiddenFill xmlns:a14="http://schemas.microsoft.com/office/drawing/2010/main">
-                  <a:solidFill>
-                    <a:srgbClr val="FFFFFF"/>
-                  </a:solidFill>
-                </a14:hiddenFill>
-              </a:ext>
-            </a:extLst>
-          </p:spPr>
-        </p:pic>
-        <p:pic>
-          <p:nvPicPr>
-            <p:cNvPr id="1028" name="Picture 4">
-              <a:extLst>
-                <a:ext uri="{FF2B5EF4-FFF2-40B4-BE49-F238E27FC236}">
-                  <a16:creationId xmlns:a16="http://schemas.microsoft.com/office/drawing/2014/main" id="{5CE4AB58-5397-2155-9B35-1711B3F42A13}"/>
-                </a:ext>
-              </a:extLst>
-            </p:cNvPr>
-            <p:cNvPicPr>
-              <a:picLocks noChangeAspect="1" noChangeArrowheads="1"/>
-            </p:cNvPicPr>
-            <p:nvPr/>
-          </p:nvPicPr>
-          <p:blipFill rotWithShape="1">
-            <a:blip r:embed="rId3">
-              <a:extLst>
-                <a:ext uri="{28A0092B-C50C-407E-A947-70E740481C1C}">
-                  <a14:useLocalDpi xmlns:a14="http://schemas.microsoft.com/office/drawing/2010/main" val="0"/>
-                </a:ext>
-              </a:extLst>
-            </a:blip>
-            <a:srcRect l="25181" r="18551"/>
-            <a:stretch/>
-          </p:blipFill>
-          <p:spPr bwMode="auto">
-            <a:xfrm>
-              <a:off x="3810000" y="1916438"/>
-              <a:ext cx="1557812" cy="2076442"/>
-            </a:xfrm>
-            <a:prstGeom prst="rect">
-              <a:avLst/>
-            </a:prstGeom>
-            <a:noFill/>
-            <a:extLst>
-              <a:ext uri="{909E8E84-426E-40DD-AFC4-6F175D3DCCD1}">
-                <a14:hiddenFill xmlns:a14="http://schemas.microsoft.com/office/drawing/2010/main">
-                  <a:solidFill>
-                    <a:srgbClr val="FFFFFF"/>
-                  </a:solidFill>
-                </a14:hiddenFill>
-              </a:ext>
-            </a:extLst>
-          </p:spPr>
-        </p:pic>
-        <p:sp>
-          <p:nvSpPr>
-            <p:cNvPr id="36" name="Rechteck 35">
-              <a:extLst>
-                <a:ext uri="{FF2B5EF4-FFF2-40B4-BE49-F238E27FC236}">
-                  <a16:creationId xmlns:a16="http://schemas.microsoft.com/office/drawing/2014/main" id="{67367200-27BA-CE76-8858-09A2E60BA1F6}"/>
-                </a:ext>
-              </a:extLst>
-            </p:cNvPr>
-            <p:cNvSpPr/>
-            <p:nvPr/>
-          </p:nvSpPr>
-          <p:spPr>
-            <a:xfrm>
-              <a:off x="3810000" y="1580210"/>
-              <a:ext cx="1557811" cy="2412669"/>
-            </a:xfrm>
-            <a:prstGeom prst="rect">
-              <a:avLst/>
-            </a:prstGeom>
-            <a:noFill/>
-          </p:spPr>
-          <p:style>
-            <a:lnRef idx="2">
-              <a:schemeClr val="dk1"/>
-            </a:lnRef>
-            <a:fillRef idx="1">
-              <a:schemeClr val="lt1"/>
-            </a:fillRef>
-            <a:effectRef idx="0">
-              <a:schemeClr val="dk1"/>
-            </a:effectRef>
-            <a:fontRef idx="minor">
-              <a:schemeClr val="dk1"/>
-            </a:fontRef>
-          </p:style>
-          <p:txBody>
-            <a:bodyPr rtlCol="0" anchor="ctr"/>
-            <a:lstStyle/>
-            <a:p>
-              <a:pPr algn="ctr"/>
-              <a:endParaRPr lang="en-US"/>
-            </a:p>
-          </p:txBody>
-        </p:sp>
-        <p:sp>
-          <p:nvSpPr>
-            <p:cNvPr id="38" name="Rechteck 37">
-              <a:extLst>
-                <a:ext uri="{FF2B5EF4-FFF2-40B4-BE49-F238E27FC236}">
-                  <a16:creationId xmlns:a16="http://schemas.microsoft.com/office/drawing/2014/main" id="{431454EC-56CC-EBAF-5774-A0A14B970682}"/>
-                </a:ext>
-              </a:extLst>
-            </p:cNvPr>
-            <p:cNvSpPr/>
-            <p:nvPr/>
-          </p:nvSpPr>
-          <p:spPr>
-            <a:xfrm>
-              <a:off x="5367811" y="1580210"/>
-              <a:ext cx="1557811" cy="2412669"/>
-            </a:xfrm>
-            <a:prstGeom prst="rect">
-              <a:avLst/>
-            </a:prstGeom>
-            <a:noFill/>
-          </p:spPr>
-          <p:style>
-            <a:lnRef idx="2">
-              <a:schemeClr val="dk1"/>
-            </a:lnRef>
-            <a:fillRef idx="1">
-              <a:schemeClr val="lt1"/>
-            </a:fillRef>
-            <a:effectRef idx="0">
-              <a:schemeClr val="dk1"/>
-            </a:effectRef>
-            <a:fontRef idx="minor">
-              <a:schemeClr val="dk1"/>
-            </a:fontRef>
-          </p:style>
-          <p:txBody>
-            <a:bodyPr rtlCol="0" anchor="ctr"/>
-            <a:lstStyle/>
-            <a:p>
-              <a:pPr algn="ctr"/>
-              <a:endParaRPr lang="en-US"/>
-            </a:p>
-          </p:txBody>
-        </p:sp>
-      </p:grpSp>
-      <p:grpSp>
-        <p:nvGrpSpPr>
-          <p:cNvPr id="51" name="Gruppieren 50">
-            <a:extLst>
-              <a:ext uri="{FF2B5EF4-FFF2-40B4-BE49-F238E27FC236}">
-                <a16:creationId xmlns:a16="http://schemas.microsoft.com/office/drawing/2014/main" id="{8C477347-7424-42DB-B2B0-2159FE8F98E3}"/>
-              </a:ext>
-            </a:extLst>
-          </p:cNvPr>
-          <p:cNvGrpSpPr/>
-          <p:nvPr/>
-        </p:nvGrpSpPr>
-        <p:grpSpPr>
-          <a:xfrm>
-            <a:off x="5023010" y="3656374"/>
-            <a:ext cx="2649857" cy="2161454"/>
-            <a:chOff x="4228141" y="4185851"/>
-            <a:chExt cx="2649857" cy="2161454"/>
-          </a:xfrm>
-        </p:grpSpPr>
-        <p:sp>
-          <p:nvSpPr>
-            <p:cNvPr id="49" name="Rechteck 48">
-              <a:extLst>
-                <a:ext uri="{FF2B5EF4-FFF2-40B4-BE49-F238E27FC236}">
-                  <a16:creationId xmlns:a16="http://schemas.microsoft.com/office/drawing/2014/main" id="{775BC01F-C347-539C-1916-111F78548C8D}"/>
-                </a:ext>
-              </a:extLst>
-            </p:cNvPr>
-            <p:cNvSpPr/>
-            <p:nvPr/>
-          </p:nvSpPr>
-          <p:spPr>
-            <a:xfrm>
-              <a:off x="4228142" y="4185851"/>
-              <a:ext cx="2649856" cy="2161453"/>
-            </a:xfrm>
-            <a:prstGeom prst="rect">
-              <a:avLst/>
-            </a:prstGeom>
-            <a:effectLst>
-              <a:outerShdw blurRad="50800" dist="38100" dir="2700000" algn="tl" rotWithShape="0">
-                <a:prstClr val="black">
-                  <a:alpha val="40000"/>
-                </a:prstClr>
-              </a:outerShdw>
-            </a:effectLst>
-          </p:spPr>
-          <p:style>
-            <a:lnRef idx="2">
-              <a:schemeClr val="dk1"/>
-            </a:lnRef>
-            <a:fillRef idx="1">
-              <a:schemeClr val="lt1"/>
-            </a:fillRef>
-            <a:effectRef idx="0">
-              <a:schemeClr val="dk1"/>
-            </a:effectRef>
-            <a:fontRef idx="minor">
-              <a:schemeClr val="dk1"/>
-            </a:fontRef>
-          </p:style>
-          <p:txBody>
-            <a:bodyPr rtlCol="0" anchor="ctr"/>
-            <a:lstStyle/>
-            <a:p>
-              <a:pPr algn="ctr"/>
-              <a:endParaRPr lang="en-US"/>
-            </a:p>
-          </p:txBody>
-        </p:sp>
-        <p:pic>
-          <p:nvPicPr>
-            <p:cNvPr id="48" name="Grafik 47">
-              <a:extLst>
-                <a:ext uri="{FF2B5EF4-FFF2-40B4-BE49-F238E27FC236}">
-                  <a16:creationId xmlns:a16="http://schemas.microsoft.com/office/drawing/2014/main" id="{59C65243-11CF-ACE5-FA9E-91ED14C9F075}"/>
-                </a:ext>
-              </a:extLst>
-            </p:cNvPr>
-            <p:cNvPicPr>
-              <a:picLocks noChangeAspect="1"/>
-            </p:cNvPicPr>
-            <p:nvPr/>
-          </p:nvPicPr>
-          <p:blipFill>
-            <a:blip r:embed="rId4"/>
-            <a:stretch>
-              <a:fillRect/>
-            </a:stretch>
-          </p:blipFill>
-          <p:spPr>
-            <a:xfrm>
-              <a:off x="4228143" y="4524406"/>
-              <a:ext cx="2649855" cy="1822899"/>
-            </a:xfrm>
-            <a:prstGeom prst="rect">
-              <a:avLst/>
-            </a:prstGeom>
-          </p:spPr>
-        </p:pic>
-        <p:sp>
-          <p:nvSpPr>
-            <p:cNvPr id="50" name="Textfeld 49">
-              <a:extLst>
-                <a:ext uri="{FF2B5EF4-FFF2-40B4-BE49-F238E27FC236}">
-                  <a16:creationId xmlns:a16="http://schemas.microsoft.com/office/drawing/2014/main" id="{6C5F3860-B97E-6E5A-72EF-6208419DEF15}"/>
-                </a:ext>
-              </a:extLst>
-            </p:cNvPr>
-            <p:cNvSpPr txBox="1"/>
-            <p:nvPr/>
-          </p:nvSpPr>
-          <p:spPr>
-            <a:xfrm>
-              <a:off x="4228141" y="4185852"/>
-              <a:ext cx="2649857" cy="338554"/>
-            </a:xfrm>
-            <a:prstGeom prst="rect">
-              <a:avLst/>
-            </a:prstGeom>
-            <a:noFill/>
-          </p:spPr>
-          <p:txBody>
-            <a:bodyPr wrap="square" rtlCol="0">
-              <a:spAutoFit/>
-            </a:bodyPr>
-            <a:lstStyle/>
-            <a:p>
-              <a:pPr algn="ctr"/>
-              <a:r>
-                <a:rPr lang="en-US" sz="1600" dirty="0"/>
-                <a:t>Signal</a:t>
-              </a:r>
-            </a:p>
-          </p:txBody>
-        </p:sp>
-      </p:grpSp>
-      <p:grpSp>
-        <p:nvGrpSpPr>
-          <p:cNvPr id="55" name="Gruppieren 54">
-            <a:extLst>
-              <a:ext uri="{FF2B5EF4-FFF2-40B4-BE49-F238E27FC236}">
-                <a16:creationId xmlns:a16="http://schemas.microsoft.com/office/drawing/2014/main" id="{551D5157-849F-9965-604B-AD4910A6B8E8}"/>
-              </a:ext>
-            </a:extLst>
-          </p:cNvPr>
-          <p:cNvGrpSpPr/>
-          <p:nvPr/>
-        </p:nvGrpSpPr>
-        <p:grpSpPr>
-          <a:xfrm>
-            <a:off x="5024853" y="1191883"/>
+            <a:off x="4320003" y="867476"/>
             <a:ext cx="2648014" cy="2156483"/>
             <a:chOff x="5805010" y="872784"/>
             <a:chExt cx="2648014" cy="2156483"/>
@@ -3856,7 +3469,7 @@
             <p:nvPr/>
           </p:nvPicPr>
           <p:blipFill rotWithShape="1">
-            <a:blip r:embed="rId5">
+            <a:blip r:embed="rId2">
               <a:extLst>
                 <a:ext uri="{28A0092B-C50C-407E-A947-70E740481C1C}">
                   <a14:useLocalDpi xmlns:a14="http://schemas.microsoft.com/office/drawing/2010/main" val="0"/>
@@ -3957,7 +3570,7 @@
             <p:nvPr/>
           </p:nvPicPr>
           <p:blipFill>
-            <a:blip r:embed="rId6">
+            <a:blip r:embed="rId3">
               <a:extLst>
                 <a:ext uri="{28A0092B-C50C-407E-A947-70E740481C1C}">
                   <a14:useLocalDpi xmlns:a14="http://schemas.microsoft.com/office/drawing/2010/main" val="0"/>
@@ -3995,8 +3608,8 @@
         </p:nvSpPr>
         <p:spPr>
           <a:xfrm rot="5400000">
-            <a:off x="8410257" y="938850"/>
-            <a:ext cx="716280" cy="1776095"/>
+            <a:off x="8119744" y="200106"/>
+            <a:ext cx="716280" cy="2604770"/>
           </a:xfrm>
           <a:prstGeom prst="bentArrow">
             <a:avLst>
@@ -4050,7 +3663,7 @@
         </p:nvSpPr>
         <p:spPr>
           <a:xfrm rot="10800000">
-            <a:off x="7878119" y="4822187"/>
+            <a:off x="7173269" y="4497780"/>
             <a:ext cx="1679266" cy="716280"/>
           </a:xfrm>
           <a:prstGeom prst="bentArrow">
@@ -4093,10 +3706,10 @@
       </p:sp>
       <p:grpSp>
         <p:nvGrpSpPr>
-          <p:cNvPr id="1027" name="Gruppieren 1026">
-            <a:extLst>
-              <a:ext uri="{FF2B5EF4-FFF2-40B4-BE49-F238E27FC236}">
-                <a16:creationId xmlns:a16="http://schemas.microsoft.com/office/drawing/2014/main" id="{D964FA03-BDB6-A1B2-DFD7-6FC62D3D0F9C}"/>
+          <p:cNvPr id="6" name="Gruppieren 5">
+            <a:extLst>
+              <a:ext uri="{FF2B5EF4-FFF2-40B4-BE49-F238E27FC236}">
+                <a16:creationId xmlns:a16="http://schemas.microsoft.com/office/drawing/2014/main" id="{06040FBC-B076-41BB-9A39-C63105E97E9B}"/>
               </a:ext>
             </a:extLst>
           </p:cNvPr>
@@ -4105,18 +3718,11 @@
         </p:nvGrpSpPr>
         <p:grpSpPr>
           <a:xfrm>
-            <a:off x="1580542" y="810326"/>
-            <a:ext cx="2649855" cy="2538040"/>
-            <a:chOff x="2108523" y="1334201"/>
-            <a:chExt cx="2649855" cy="2538040"/>
+            <a:off x="875692" y="867476"/>
+            <a:ext cx="2649855" cy="2722706"/>
+            <a:chOff x="1580542" y="810326"/>
+            <a:chExt cx="2649855" cy="2722706"/>
           </a:xfrm>
-          <a:effectLst>
-            <a:outerShdw blurRad="50800" dist="38100" dir="2700000" algn="tl" rotWithShape="0">
-              <a:prstClr val="black">
-                <a:alpha val="40000"/>
-              </a:prstClr>
-            </a:outerShdw>
-          </a:effectLst>
         </p:grpSpPr>
         <p:sp>
           <p:nvSpPr>
@@ -4132,8 +3738,8 @@
           </p:nvSpPr>
           <p:spPr>
             <a:xfrm>
-              <a:off x="2108524" y="1334201"/>
-              <a:ext cx="2649853" cy="2538040"/>
+              <a:off x="1580543" y="810326"/>
+              <a:ext cx="2649853" cy="2722706"/>
             </a:xfrm>
             <a:prstGeom prst="rect">
               <a:avLst/>
@@ -4182,7 +3788,7 @@
             <p:nvPr/>
           </p:nvPicPr>
           <p:blipFill>
-            <a:blip r:embed="rId7">
+            <a:blip r:embed="rId4">
               <a:extLst>
                 <a:ext uri="{28A0092B-C50C-407E-A947-70E740481C1C}">
                   <a14:useLocalDpi xmlns:a14="http://schemas.microsoft.com/office/drawing/2010/main" val="0"/>
@@ -4196,7 +3802,7 @@
           </p:blipFill>
           <p:spPr bwMode="auto">
             <a:xfrm>
-              <a:off x="2108523" y="1334201"/>
+              <a:off x="1580542" y="810326"/>
               <a:ext cx="2648009" cy="783714"/>
             </a:xfrm>
             <a:prstGeom prst="rect">
@@ -4204,9 +3810,7 @@
             </a:prstGeom>
             <a:noFill/>
             <a:ln>
-              <a:solidFill>
-                <a:schemeClr val="accent2"/>
-              </a:solidFill>
+              <a:noFill/>
             </a:ln>
             <a:extLst>
               <a:ext uri="{909E8E84-426E-40DD-AFC4-6F175D3DCCD1}">
@@ -4233,17 +3837,15 @@
           </p:nvSpPr>
           <p:spPr>
             <a:xfrm>
-              <a:off x="2110369" y="2117915"/>
-              <a:ext cx="2648009" cy="1754326"/>
+              <a:off x="1582388" y="1594040"/>
+              <a:ext cx="2648009" cy="1938992"/>
             </a:xfrm>
             <a:prstGeom prst="rect">
               <a:avLst/>
             </a:prstGeom>
             <a:noFill/>
             <a:ln>
-              <a:solidFill>
-                <a:schemeClr val="accent2"/>
-              </a:solidFill>
+              <a:noFill/>
             </a:ln>
           </p:spPr>
           <p:txBody>
@@ -4253,163 +3855,138 @@
             <a:lstStyle/>
             <a:p>
               <a:r>
-                <a:rPr lang="en-US" sz="1200" b="0" dirty="0">
+                <a:rPr lang="en-US" sz="1200" dirty="0">
                   <a:solidFill>
                     <a:srgbClr val="008000"/>
                   </a:solidFill>
-                  <a:effectLst/>
                   <a:latin typeface="Fira Code" panose="020B0809050000020004" pitchFamily="49" charset="0"/>
                 </a:rPr>
-                <a:t># Define a pulseq sequence</a:t>
+                <a:t># Define a </a:t>
               </a:r>
+              <a:r>
+                <a:rPr lang="en-US" sz="1200" dirty="0" err="1">
+                  <a:solidFill>
+                    <a:srgbClr val="008000"/>
+                  </a:solidFill>
+                  <a:latin typeface="Fira Code" panose="020B0809050000020004" pitchFamily="49" charset="0"/>
+                </a:rPr>
+                <a:t>pulseq</a:t>
+              </a:r>
+              <a:r>
+                <a:rPr lang="en-US" sz="1200" dirty="0">
+                  <a:solidFill>
+                    <a:srgbClr val="008000"/>
+                  </a:solidFill>
+                  <a:latin typeface="Fira Code" panose="020B0809050000020004" pitchFamily="49" charset="0"/>
+                </a:rPr>
+                <a:t> sequence</a:t>
+              </a:r>
+              <a:endParaRPr lang="en-US" sz="1200" dirty="0">
+                <a:solidFill>
+                  <a:srgbClr val="000000"/>
+                </a:solidFill>
+                <a:latin typeface="Fira Code" panose="020B0809050000020004" pitchFamily="49" charset="0"/>
+              </a:endParaRPr>
             </a:p>
             <a:p>
               <a:r>
-                <a:rPr lang="de-DE" sz="1200" b="0" dirty="0" err="1">
+                <a:rPr lang="en-US" sz="1200" dirty="0">
                   <a:solidFill>
                     <a:srgbClr val="001080"/>
                   </a:solidFill>
-                  <a:effectLst/>
                   <a:latin typeface="Fira Code" panose="020B0809050000020004" pitchFamily="49" charset="0"/>
                 </a:rPr>
                 <a:t>seq</a:t>
               </a:r>
               <a:r>
-                <a:rPr lang="de-DE" sz="1200" b="0" dirty="0">
+                <a:rPr lang="en-US" sz="1200" dirty="0">
                   <a:solidFill>
                     <a:srgbClr val="000000"/>
                   </a:solidFill>
-                  <a:effectLst/>
                   <a:latin typeface="Fira Code" panose="020B0809050000020004" pitchFamily="49" charset="0"/>
                 </a:rPr>
-                <a:t> = </a:t>
+                <a:t> = Sequence()</a:t>
               </a:r>
+            </a:p>
+            <a:p>
               <a:r>
-                <a:rPr lang="de-DE" sz="1200" b="0" dirty="0" err="1">
-                  <a:solidFill>
-                    <a:srgbClr val="267F99"/>
-                  </a:solidFill>
-                  <a:effectLst/>
-                  <a:latin typeface="Fira Code" panose="020B0809050000020004" pitchFamily="49" charset="0"/>
-                </a:rPr>
-                <a:t>Sequence</a:t>
-              </a:r>
-              <a:r>
-                <a:rPr lang="de-DE" sz="1200" b="0" dirty="0">
+                <a:rPr lang="en-US" sz="1200" dirty="0">
                   <a:solidFill>
                     <a:srgbClr val="000000"/>
                   </a:solidFill>
-                  <a:effectLst/>
-                  <a:latin typeface="Fira Code" panose="020B0809050000020004" pitchFamily="49" charset="0"/>
-                </a:rPr>
-                <a:t>()</a:t>
-              </a:r>
-              <a:endParaRPr lang="en-US" sz="1200" b="0" dirty="0">
-                <a:solidFill>
-                  <a:srgbClr val="008000"/>
-                </a:solidFill>
-                <a:effectLst/>
-                <a:latin typeface="Fira Code" panose="020B0809050000020004" pitchFamily="49" charset="0"/>
-              </a:endParaRPr>
-            </a:p>
-            <a:p>
-              <a:r>
-                <a:rPr lang="en-US" sz="1200" b="0" dirty="0">
-                  <a:solidFill>
-                    <a:srgbClr val="000000"/>
-                  </a:solidFill>
-                  <a:effectLst/>
                   <a:latin typeface="Fira Code" panose="020B0809050000020004" pitchFamily="49" charset="0"/>
                 </a:rPr>
                 <a:t>...</a:t>
               </a:r>
             </a:p>
             <a:p>
-              <a:endParaRPr lang="en-US" sz="1200" b="0" dirty="0">
-                <a:solidFill>
-                  <a:srgbClr val="001080"/>
-                </a:solidFill>
-                <a:effectLst/>
-                <a:latin typeface="Fira Code" panose="020B0809050000020004" pitchFamily="49" charset="0"/>
-              </a:endParaRPr>
-            </a:p>
-            <a:p>
+              <a:br>
+                <a:rPr lang="en-US" sz="1200" dirty="0">
+                  <a:solidFill>
+                    <a:srgbClr val="000000"/>
+                  </a:solidFill>
+                  <a:latin typeface="Fira Code" panose="020B0809050000020004" pitchFamily="49" charset="0"/>
+                </a:rPr>
+              </a:br>
               <a:r>
-                <a:rPr lang="en-US" sz="1200" b="0" dirty="0" err="1">
+                <a:rPr lang="en-US" sz="1200" dirty="0" err="1">
                   <a:solidFill>
                     <a:srgbClr val="001080"/>
                   </a:solidFill>
-                  <a:effectLst/>
                   <a:latin typeface="Fira Code" panose="020B0809050000020004" pitchFamily="49" charset="0"/>
                 </a:rPr>
                 <a:t>seq</a:t>
               </a:r>
               <a:r>
-                <a:rPr lang="en-US" sz="1200" b="0" dirty="0" err="1">
+                <a:rPr lang="en-US" sz="1200" dirty="0" err="1">
                   <a:solidFill>
                     <a:srgbClr val="000000"/>
                   </a:solidFill>
-                  <a:effectLst/>
                   <a:latin typeface="Fira Code" panose="020B0809050000020004" pitchFamily="49" charset="0"/>
                 </a:rPr>
-                <a:t>.</a:t>
+                <a:t>.write</a:t>
               </a:r>
               <a:r>
-                <a:rPr lang="en-US" sz="1200" b="0" dirty="0" err="1">
-                  <a:solidFill>
-                    <a:srgbClr val="795E26"/>
-                  </a:solidFill>
-                  <a:effectLst/>
-                  <a:latin typeface="Fira Code" panose="020B0809050000020004" pitchFamily="49" charset="0"/>
-                </a:rPr>
-                <a:t>write</a:t>
-              </a:r>
-              <a:r>
-                <a:rPr lang="en-US" sz="1200" b="0" dirty="0">
+                <a:rPr lang="en-US" sz="1200" dirty="0">
                   <a:solidFill>
                     <a:srgbClr val="000000"/>
                   </a:solidFill>
-                  <a:effectLst/>
                   <a:latin typeface="Fira Code" panose="020B0809050000020004" pitchFamily="49" charset="0"/>
                 </a:rPr>
                 <a:t>(</a:t>
               </a:r>
               <a:r>
-                <a:rPr lang="en-US" sz="1200" b="0" dirty="0">
+                <a:rPr lang="en-US" sz="1200" dirty="0">
                   <a:solidFill>
                     <a:srgbClr val="A31515"/>
                   </a:solidFill>
-                  <a:effectLst/>
                   <a:latin typeface="Fira Code" panose="020B0809050000020004" pitchFamily="49" charset="0"/>
                 </a:rPr>
                 <a:t>'</a:t>
               </a:r>
               <a:r>
-                <a:rPr lang="en-US" sz="1200" b="0" dirty="0" err="1">
+                <a:rPr lang="en-US" sz="1200" dirty="0" err="1">
                   <a:solidFill>
                     <a:srgbClr val="A31515"/>
                   </a:solidFill>
-                  <a:effectLst/>
                   <a:latin typeface="Fira Code" panose="020B0809050000020004" pitchFamily="49" charset="0"/>
                 </a:rPr>
                 <a:t>bSSFP.seq</a:t>
               </a:r>
               <a:r>
-                <a:rPr lang="en-US" sz="1200" b="0" dirty="0">
+                <a:rPr lang="en-US" sz="1200" dirty="0">
                   <a:solidFill>
                     <a:srgbClr val="A31515"/>
                   </a:solidFill>
-                  <a:effectLst/>
                   <a:latin typeface="Fira Code" panose="020B0809050000020004" pitchFamily="49" charset="0"/>
                 </a:rPr>
                 <a:t>'</a:t>
               </a:r>
               <a:r>
-                <a:rPr lang="en-US" sz="1200" b="0" dirty="0">
+                <a:rPr lang="en-US" sz="1200" dirty="0">
                   <a:solidFill>
                     <a:srgbClr val="000000"/>
                   </a:solidFill>
-                  <a:effectLst/>
                   <a:latin typeface="Fira Code" panose="020B0809050000020004" pitchFamily="49" charset="0"/>
                 </a:rPr>
                 <a:t>)</a:t>
@@ -4417,71 +3994,120 @@
             </a:p>
             <a:p>
               <a:r>
-                <a:rPr lang="pt-BR" sz="1200" b="0" dirty="0">
+                <a:rPr lang="en-US" sz="1200" dirty="0">
                   <a:solidFill>
                     <a:srgbClr val="001080"/>
                   </a:solidFill>
-                  <a:effectLst/>
                   <a:latin typeface="Fira Code" panose="020B0809050000020004" pitchFamily="49" charset="0"/>
                 </a:rPr>
                 <a:t>signal</a:t>
               </a:r>
               <a:r>
-                <a:rPr lang="pt-BR" sz="1200" b="0" dirty="0">
+                <a:rPr lang="en-US" sz="1200" dirty="0">
                   <a:solidFill>
                     <a:srgbClr val="000000"/>
                   </a:solidFill>
-                  <a:effectLst/>
                   <a:latin typeface="Fira Code" panose="020B0809050000020004" pitchFamily="49" charset="0"/>
                 </a:rPr>
-                <a:t> = sim_or_measure()</a:t>
+                <a:t> = </a:t>
+              </a:r>
+              <a:r>
+                <a:rPr lang="en-US" sz="1200" dirty="0" err="1">
+                  <a:solidFill>
+                    <a:srgbClr val="000000"/>
+                  </a:solidFill>
+                  <a:latin typeface="Fira Code" panose="020B0809050000020004" pitchFamily="49" charset="0"/>
+                </a:rPr>
+                <a:t>sim_or_measure</a:t>
+              </a:r>
+              <a:r>
+                <a:rPr lang="en-US" sz="1200" dirty="0">
+                  <a:solidFill>
+                    <a:srgbClr val="000000"/>
+                  </a:solidFill>
+                  <a:latin typeface="Fira Code" panose="020B0809050000020004" pitchFamily="49" charset="0"/>
+                </a:rPr>
+                <a:t>()</a:t>
               </a:r>
             </a:p>
             <a:p>
-              <a:endParaRPr lang="pt-BR" sz="1200" b="0" dirty="0">
+              <a:br>
+                <a:rPr lang="en-US" sz="1200" dirty="0">
+                  <a:solidFill>
+                    <a:srgbClr val="000000"/>
+                  </a:solidFill>
+                  <a:latin typeface="Fira Code" panose="020B0809050000020004" pitchFamily="49" charset="0"/>
+                </a:rPr>
+              </a:br>
+              <a:r>
+                <a:rPr lang="en-US" sz="1200" dirty="0">
+                  <a:solidFill>
+                    <a:srgbClr val="008000"/>
+                  </a:solidFill>
+                  <a:latin typeface="Fira Code" panose="020B0809050000020004" pitchFamily="49" charset="0"/>
+                </a:rPr>
+                <a:t># Self-written </a:t>
+              </a:r>
+              <a:r>
+                <a:rPr lang="en-US" sz="1200" dirty="0" err="1">
+                  <a:solidFill>
+                    <a:srgbClr val="008000"/>
+                  </a:solidFill>
+                  <a:latin typeface="Fira Code" panose="020B0809050000020004" pitchFamily="49" charset="0"/>
+                </a:rPr>
+                <a:t>reco</a:t>
+              </a:r>
+              <a:endParaRPr lang="en-US" sz="1200" dirty="0">
                 <a:solidFill>
                   <a:srgbClr val="000000"/>
                 </a:solidFill>
-                <a:effectLst/>
                 <a:latin typeface="Fira Code" panose="020B0809050000020004" pitchFamily="49" charset="0"/>
               </a:endParaRPr>
             </a:p>
             <a:p>
               <a:r>
-                <a:rPr lang="en-US" sz="1200" b="0" dirty="0">
+                <a:rPr lang="en-US" sz="1200" dirty="0" err="1">
                   <a:solidFill>
-                    <a:srgbClr val="008000"/>
+                    <a:srgbClr val="001080"/>
                   </a:solidFill>
-                  <a:effectLst/>
                   <a:latin typeface="Fira Code" panose="020B0809050000020004" pitchFamily="49" charset="0"/>
                 </a:rPr>
-                <a:t># Self-written </a:t>
+                <a:t>kspace</a:t>
               </a:r>
               <a:r>
-                <a:rPr lang="en-US" sz="1200" b="0" dirty="0" err="1">
+                <a:rPr lang="en-US" sz="1200" dirty="0">
                   <a:solidFill>
-                    <a:srgbClr val="008000"/>
+                    <a:srgbClr val="000000"/>
                   </a:solidFill>
-                  <a:effectLst/>
                   <a:latin typeface="Fira Code" panose="020B0809050000020004" pitchFamily="49" charset="0"/>
                 </a:rPr>
-                <a:t>reco</a:t>
+                <a:t> = reorder(</a:t>
               </a:r>
-              <a:endParaRPr lang="en-US" sz="1200" b="0" dirty="0">
-                <a:solidFill>
-                  <a:srgbClr val="008000"/>
-                </a:solidFill>
-                <a:effectLst/>
-                <a:latin typeface="Fira Code" panose="020B0809050000020004" pitchFamily="49" charset="0"/>
-              </a:endParaRPr>
+              <a:r>
+                <a:rPr lang="en-US" sz="1200" dirty="0">
+                  <a:solidFill>
+                    <a:srgbClr val="001080"/>
+                  </a:solidFill>
+                  <a:latin typeface="Fira Code" panose="020B0809050000020004" pitchFamily="49" charset="0"/>
+                </a:rPr>
+                <a:t>signal</a:t>
+              </a:r>
+              <a:r>
+                <a:rPr lang="en-US" sz="1200" dirty="0">
+                  <a:solidFill>
+                    <a:srgbClr val="000000"/>
+                  </a:solidFill>
+                  <a:latin typeface="Fira Code" panose="020B0809050000020004" pitchFamily="49" charset="0"/>
+                </a:rPr>
+                <a:t>)</a:t>
+              </a:r>
             </a:p>
             <a:p>
               <a:r>
-                <a:rPr lang="en-US" sz="1200" b="0" dirty="0">
+                <a:rPr lang="en-US" sz="1200" dirty="0">
                   <a:solidFill>
                     <a:srgbClr val="000000"/>
                   </a:solidFill>
-                  <a:effectLst/>
                   <a:latin typeface="Fira Code" panose="020B0809050000020004" pitchFamily="49" charset="0"/>
                 </a:rPr>
                 <a:t>...</a:t>
@@ -4490,12 +4116,276 @@
           </p:txBody>
         </p:sp>
       </p:grpSp>
+      <p:sp>
+        <p:nvSpPr>
+          <p:cNvPr id="63" name="Pfeil: nach rechts 62">
+            <a:extLst>
+              <a:ext uri="{FF2B5EF4-FFF2-40B4-BE49-F238E27FC236}">
+                <a16:creationId xmlns:a16="http://schemas.microsoft.com/office/drawing/2014/main" id="{B59DBF16-4ECA-408C-1E7B-6F1873EAAA38}"/>
+              </a:ext>
+            </a:extLst>
+          </p:cNvPr>
+          <p:cNvSpPr/>
+          <p:nvPr/>
+        </p:nvSpPr>
+        <p:spPr>
+          <a:xfrm rot="5400000">
+            <a:off x="1936460" y="3753266"/>
+            <a:ext cx="526472" cy="368706"/>
+          </a:xfrm>
+          <a:prstGeom prst="rightArrow">
+            <a:avLst>
+              <a:gd name="adj1" fmla="val 50000"/>
+              <a:gd name="adj2" fmla="val 67535"/>
+            </a:avLst>
+          </a:prstGeom>
+        </p:spPr>
+        <p:style>
+          <a:lnRef idx="2">
+            <a:schemeClr val="dk1">
+              <a:shade val="50000"/>
+            </a:schemeClr>
+          </a:lnRef>
+          <a:fillRef idx="1">
+            <a:schemeClr val="dk1"/>
+          </a:fillRef>
+          <a:effectRef idx="0">
+            <a:schemeClr val="dk1"/>
+          </a:effectRef>
+          <a:fontRef idx="minor">
+            <a:schemeClr val="lt1"/>
+          </a:fontRef>
+        </p:style>
+        <p:txBody>
+          <a:bodyPr rtlCol="0" anchor="ctr"/>
+          <a:lstStyle/>
+          <a:p>
+            <a:pPr algn="ctr"/>
+            <a:endParaRPr lang="en-US"/>
+          </a:p>
+        </p:txBody>
+      </p:sp>
+      <p:sp>
+        <p:nvSpPr>
+          <p:cNvPr id="1024" name="Pfeil: gebogen 1023">
+            <a:extLst>
+              <a:ext uri="{FF2B5EF4-FFF2-40B4-BE49-F238E27FC236}">
+                <a16:creationId xmlns:a16="http://schemas.microsoft.com/office/drawing/2014/main" id="{63F900D7-C462-805E-1A44-1F8458A23D51}"/>
+              </a:ext>
+            </a:extLst>
+          </p:cNvPr>
+          <p:cNvSpPr/>
+          <p:nvPr/>
+        </p:nvSpPr>
+        <p:spPr>
+          <a:xfrm flipH="1">
+            <a:off x="3588543" y="2607469"/>
+            <a:ext cx="535782" cy="1626394"/>
+          </a:xfrm>
+          <a:prstGeom prst="bentArrow">
+            <a:avLst>
+              <a:gd name="adj1" fmla="val 33677"/>
+              <a:gd name="adj2" fmla="val 25000"/>
+              <a:gd name="adj3" fmla="val 33030"/>
+              <a:gd name="adj4" fmla="val 61053"/>
+            </a:avLst>
+          </a:prstGeom>
+        </p:spPr>
+        <p:style>
+          <a:lnRef idx="2">
+            <a:schemeClr val="dk1">
+              <a:shade val="50000"/>
+            </a:schemeClr>
+          </a:lnRef>
+          <a:fillRef idx="1">
+            <a:schemeClr val="dk1"/>
+          </a:fillRef>
+          <a:effectRef idx="0">
+            <a:schemeClr val="dk1"/>
+          </a:effectRef>
+          <a:fontRef idx="minor">
+            <a:schemeClr val="lt1"/>
+          </a:fontRef>
+        </p:style>
+        <p:txBody>
+          <a:bodyPr rtlCol="0" anchor="ctr"/>
+          <a:lstStyle/>
+          <a:p>
+            <a:pPr algn="ctr"/>
+            <a:endParaRPr lang="en-US">
+              <a:solidFill>
+                <a:schemeClr val="tx1"/>
+              </a:solidFill>
+            </a:endParaRPr>
+          </a:p>
+        </p:txBody>
+      </p:sp>
+      <p:sp>
+        <p:nvSpPr>
+          <p:cNvPr id="1025" name="Halbbogen 1024">
+            <a:extLst>
+              <a:ext uri="{FF2B5EF4-FFF2-40B4-BE49-F238E27FC236}">
+                <a16:creationId xmlns:a16="http://schemas.microsoft.com/office/drawing/2014/main" id="{032FEA7F-29EA-6B2A-9675-84DF6FAE1747}"/>
+              </a:ext>
+            </a:extLst>
+          </p:cNvPr>
+          <p:cNvSpPr/>
+          <p:nvPr/>
+        </p:nvSpPr>
+        <p:spPr>
+          <a:xfrm rot="16200000">
+            <a:off x="3991861" y="3916135"/>
+            <a:ext cx="535709" cy="629865"/>
+          </a:xfrm>
+          <a:prstGeom prst="blockArc">
+            <a:avLst>
+              <a:gd name="adj1" fmla="val 10800000"/>
+              <a:gd name="adj2" fmla="val 16234216"/>
+              <a:gd name="adj3" fmla="val 33528"/>
+            </a:avLst>
+          </a:prstGeom>
+        </p:spPr>
+        <p:style>
+          <a:lnRef idx="2">
+            <a:schemeClr val="dk1">
+              <a:shade val="50000"/>
+            </a:schemeClr>
+          </a:lnRef>
+          <a:fillRef idx="1">
+            <a:schemeClr val="dk1"/>
+          </a:fillRef>
+          <a:effectRef idx="0">
+            <a:schemeClr val="dk1"/>
+          </a:effectRef>
+          <a:fontRef idx="minor">
+            <a:schemeClr val="lt1"/>
+          </a:fontRef>
+        </p:style>
+        <p:txBody>
+          <a:bodyPr rtlCol="0" anchor="ctr"/>
+          <a:lstStyle/>
+          <a:p>
+            <a:pPr algn="ctr"/>
+            <a:endParaRPr lang="en-US">
+              <a:solidFill>
+                <a:schemeClr val="tx1"/>
+              </a:solidFill>
+            </a:endParaRPr>
+          </a:p>
+        </p:txBody>
+      </p:sp>
+      <p:sp>
+        <p:nvSpPr>
+          <p:cNvPr id="1029" name="Pfeil: nach rechts 1028">
+            <a:extLst>
+              <a:ext uri="{FF2B5EF4-FFF2-40B4-BE49-F238E27FC236}">
+                <a16:creationId xmlns:a16="http://schemas.microsoft.com/office/drawing/2014/main" id="{069D6E0E-AAE8-B061-ED2F-98A9CD4619ED}"/>
+              </a:ext>
+            </a:extLst>
+          </p:cNvPr>
+          <p:cNvSpPr/>
+          <p:nvPr/>
+        </p:nvSpPr>
+        <p:spPr>
+          <a:xfrm>
+            <a:off x="3585820" y="2298620"/>
+            <a:ext cx="673895" cy="368706"/>
+          </a:xfrm>
+          <a:prstGeom prst="rightArrow">
+            <a:avLst>
+              <a:gd name="adj1" fmla="val 50000"/>
+              <a:gd name="adj2" fmla="val 67535"/>
+            </a:avLst>
+          </a:prstGeom>
+        </p:spPr>
+        <p:style>
+          <a:lnRef idx="2">
+            <a:schemeClr val="dk1">
+              <a:shade val="50000"/>
+            </a:schemeClr>
+          </a:lnRef>
+          <a:fillRef idx="1">
+            <a:schemeClr val="dk1"/>
+          </a:fillRef>
+          <a:effectRef idx="0">
+            <a:schemeClr val="dk1"/>
+          </a:effectRef>
+          <a:fontRef idx="minor">
+            <a:schemeClr val="lt1"/>
+          </a:fontRef>
+        </p:style>
+        <p:txBody>
+          <a:bodyPr rtlCol="0" anchor="ctr"/>
+          <a:lstStyle/>
+          <a:p>
+            <a:pPr algn="ctr"/>
+            <a:endParaRPr lang="en-US"/>
+          </a:p>
+        </p:txBody>
+      </p:sp>
+      <p:sp>
+        <p:nvSpPr>
+          <p:cNvPr id="5" name="Textfeld 4">
+            <a:extLst>
+              <a:ext uri="{FF2B5EF4-FFF2-40B4-BE49-F238E27FC236}">
+                <a16:creationId xmlns:a16="http://schemas.microsoft.com/office/drawing/2014/main" id="{684F6AF5-6901-8FCA-70EB-9B4F6B528232}"/>
+              </a:ext>
+            </a:extLst>
+          </p:cNvPr>
+          <p:cNvSpPr txBox="1"/>
+          <p:nvPr/>
+        </p:nvSpPr>
+        <p:spPr>
+          <a:xfrm>
+            <a:off x="7548832" y="5471547"/>
+            <a:ext cx="4352656" cy="461665"/>
+          </a:xfrm>
+          <a:prstGeom prst="rect">
+            <a:avLst/>
+          </a:prstGeom>
+          <a:noFill/>
+        </p:spPr>
+        <p:txBody>
+          <a:bodyPr wrap="square">
+            <a:spAutoFit/>
+          </a:bodyPr>
+          <a:lstStyle/>
+          <a:p>
+            <a:pPr algn="r"/>
+            <a:r>
+              <a:rPr lang="en-US" sz="1200" dirty="0">
+                <a:solidFill>
+                  <a:schemeClr val="tx1">
+                    <a:lumMod val="50000"/>
+                    <a:lumOff val="50000"/>
+                  </a:schemeClr>
+                </a:solidFill>
+              </a:rPr>
+              <a:t>https://mriquestions.com/projectiles.html</a:t>
+            </a:r>
+          </a:p>
+          <a:p>
+            <a:pPr algn="r"/>
+            <a:r>
+              <a:rPr lang="en-US" sz="1200" dirty="0">
+                <a:solidFill>
+                  <a:schemeClr val="tx1">
+                    <a:lumMod val="50000"/>
+                    <a:lumOff val="50000"/>
+                  </a:schemeClr>
+                </a:solidFill>
+              </a:rPr>
+              <a:t>https://de.wikipedia.org/wiki/Datei:Old_computer_2.jpg</a:t>
+            </a:r>
+          </a:p>
+        </p:txBody>
+      </p:sp>
       <p:grpSp>
         <p:nvGrpSpPr>
-          <p:cNvPr id="61" name="Gruppieren 60">
-            <a:extLst>
-              <a:ext uri="{FF2B5EF4-FFF2-40B4-BE49-F238E27FC236}">
-                <a16:creationId xmlns:a16="http://schemas.microsoft.com/office/drawing/2014/main" id="{E00D34B2-EB79-6F7E-C685-F33E2EBA264C}"/>
+          <p:cNvPr id="4" name="Gruppieren 3">
+            <a:extLst>
+              <a:ext uri="{FF2B5EF4-FFF2-40B4-BE49-F238E27FC236}">
+                <a16:creationId xmlns:a16="http://schemas.microsoft.com/office/drawing/2014/main" id="{37CB1812-6A6A-485C-8BB6-B9BB90E3BE27}"/>
               </a:ext>
             </a:extLst>
           </p:cNvPr>
@@ -4504,10 +4394,10 @@
         </p:nvGrpSpPr>
         <p:grpSpPr>
           <a:xfrm>
-            <a:off x="1580542" y="3656374"/>
-            <a:ext cx="2649855" cy="2487314"/>
-            <a:chOff x="576900" y="4665961"/>
-            <a:chExt cx="2649855" cy="2487314"/>
+            <a:off x="875692" y="4269413"/>
+            <a:ext cx="2649855" cy="1663799"/>
+            <a:chOff x="1580542" y="3656374"/>
+            <a:chExt cx="2649855" cy="1663799"/>
           </a:xfrm>
         </p:grpSpPr>
         <p:sp>
@@ -4524,8 +4414,8 @@
           </p:nvSpPr>
           <p:spPr>
             <a:xfrm>
-              <a:off x="576903" y="4665961"/>
-              <a:ext cx="2649852" cy="2487314"/>
+              <a:off x="1580545" y="3656374"/>
+              <a:ext cx="2649852" cy="1663799"/>
             </a:xfrm>
             <a:prstGeom prst="rect">
               <a:avLst/>
@@ -4561,36 +4451,6 @@
             </a:p>
           </p:txBody>
         </p:sp>
-        <p:pic>
-          <p:nvPicPr>
-            <p:cNvPr id="44" name="Grafik 43">
-              <a:extLst>
-                <a:ext uri="{FF2B5EF4-FFF2-40B4-BE49-F238E27FC236}">
-                  <a16:creationId xmlns:a16="http://schemas.microsoft.com/office/drawing/2014/main" id="{EC7DE371-01C6-153C-D200-17513DB0FF50}"/>
-                </a:ext>
-              </a:extLst>
-            </p:cNvPr>
-            <p:cNvPicPr>
-              <a:picLocks noChangeAspect="1"/>
-            </p:cNvPicPr>
-            <p:nvPr/>
-          </p:nvPicPr>
-          <p:blipFill>
-            <a:blip r:embed="rId8"/>
-            <a:stretch>
-              <a:fillRect/>
-            </a:stretch>
-          </p:blipFill>
-          <p:spPr>
-            <a:xfrm>
-              <a:off x="576901" y="5004515"/>
-              <a:ext cx="2649853" cy="2148760"/>
-            </a:xfrm>
-            <a:prstGeom prst="rect">
-              <a:avLst/>
-            </a:prstGeom>
-          </p:spPr>
-        </p:pic>
         <p:sp>
           <p:nvSpPr>
             <p:cNvPr id="60" name="Textfeld 59">
@@ -4605,7 +4465,7 @@
           </p:nvSpPr>
           <p:spPr>
             <a:xfrm>
-              <a:off x="576900" y="4665961"/>
+              <a:off x="1580542" y="3656374"/>
               <a:ext cx="2649852" cy="338554"/>
             </a:xfrm>
             <a:prstGeom prst="rect">
@@ -4627,271 +4487,531 @@
             </a:p>
           </p:txBody>
         </p:sp>
+        <p:pic>
+          <p:nvPicPr>
+            <p:cNvPr id="37" name="Grafik 36">
+              <a:extLst>
+                <a:ext uri="{FF2B5EF4-FFF2-40B4-BE49-F238E27FC236}">
+                  <a16:creationId xmlns:a16="http://schemas.microsoft.com/office/drawing/2014/main" id="{7D41771A-227C-4333-94EC-E7558B9A9787}"/>
+                </a:ext>
+              </a:extLst>
+            </p:cNvPr>
+            <p:cNvPicPr/>
+            <p:nvPr/>
+          </p:nvPicPr>
+          <p:blipFill rotWithShape="1">
+            <a:blip r:embed="rId5">
+              <a:extLst>
+                <a:ext uri="{28A0092B-C50C-407E-A947-70E740481C1C}">
+                  <a14:useLocalDpi xmlns:a14="http://schemas.microsoft.com/office/drawing/2010/main" val="0"/>
+                </a:ext>
+              </a:extLst>
+            </a:blip>
+            <a:srcRect l="621" r="1243" b="2191"/>
+            <a:stretch/>
+          </p:blipFill>
+          <p:spPr>
+            <a:xfrm>
+              <a:off x="1604963" y="3994929"/>
+              <a:ext cx="2590800" cy="1296210"/>
+            </a:xfrm>
+            <a:prstGeom prst="rect">
+              <a:avLst/>
+            </a:prstGeom>
+          </p:spPr>
+        </p:pic>
       </p:grpSp>
-      <p:sp>
-        <p:nvSpPr>
-          <p:cNvPr id="63" name="Pfeil: nach rechts 62">
-            <a:extLst>
-              <a:ext uri="{FF2B5EF4-FFF2-40B4-BE49-F238E27FC236}">
-                <a16:creationId xmlns:a16="http://schemas.microsoft.com/office/drawing/2014/main" id="{B59DBF16-4ECA-408C-1E7B-6F1873EAAA38}"/>
-              </a:ext>
-            </a:extLst>
-          </p:cNvPr>
-          <p:cNvSpPr/>
+      <p:grpSp>
+        <p:nvGrpSpPr>
+          <p:cNvPr id="3" name="Gruppieren 2">
+            <a:extLst>
+              <a:ext uri="{FF2B5EF4-FFF2-40B4-BE49-F238E27FC236}">
+                <a16:creationId xmlns:a16="http://schemas.microsoft.com/office/drawing/2014/main" id="{FF6C3F8F-03DD-43AA-804B-3CCCA1C536F6}"/>
+              </a:ext>
+            </a:extLst>
+          </p:cNvPr>
+          <p:cNvGrpSpPr/>
           <p:nvPr/>
-        </p:nvSpPr>
-        <p:spPr>
-          <a:xfrm rot="5400000">
-            <a:off x="2641310" y="3239331"/>
-            <a:ext cx="526472" cy="368706"/>
+        </p:nvGrpSpPr>
+        <p:grpSpPr>
+          <a:xfrm>
+            <a:off x="7175500" y="1945718"/>
+            <a:ext cx="4725988" cy="2466976"/>
+            <a:chOff x="7880350" y="2270125"/>
+            <a:chExt cx="4725988" cy="2466976"/>
           </a:xfrm>
-          <a:prstGeom prst="rightArrow">
-            <a:avLst>
-              <a:gd name="adj1" fmla="val 50000"/>
-              <a:gd name="adj2" fmla="val 67535"/>
-            </a:avLst>
-          </a:prstGeom>
-        </p:spPr>
-        <p:style>
-          <a:lnRef idx="2">
-            <a:schemeClr val="dk1">
-              <a:shade val="50000"/>
-            </a:schemeClr>
-          </a:lnRef>
-          <a:fillRef idx="1">
-            <a:schemeClr val="dk1"/>
-          </a:fillRef>
-          <a:effectRef idx="0">
-            <a:schemeClr val="dk1"/>
-          </a:effectRef>
-          <a:fontRef idx="minor">
-            <a:schemeClr val="lt1"/>
-          </a:fontRef>
-        </p:style>
-        <p:txBody>
-          <a:bodyPr rtlCol="0" anchor="ctr"/>
-          <a:lstStyle/>
-          <a:p>
-            <a:pPr algn="ctr"/>
-            <a:endParaRPr lang="en-US"/>
-          </a:p>
-        </p:txBody>
-      </p:sp>
-      <p:sp>
-        <p:nvSpPr>
-          <p:cNvPr id="1024" name="Pfeil: gebogen 1023">
-            <a:extLst>
-              <a:ext uri="{FF2B5EF4-FFF2-40B4-BE49-F238E27FC236}">
-                <a16:creationId xmlns:a16="http://schemas.microsoft.com/office/drawing/2014/main" id="{63F900D7-C462-805E-1A44-1F8458A23D51}"/>
-              </a:ext>
-            </a:extLst>
-          </p:cNvPr>
-          <p:cNvSpPr/>
-          <p:nvPr/>
-        </p:nvSpPr>
-        <p:spPr>
-          <a:xfrm flipH="1">
-            <a:off x="4293393" y="2550319"/>
-            <a:ext cx="535782" cy="1626394"/>
-          </a:xfrm>
-          <a:prstGeom prst="bentArrow">
-            <a:avLst>
-              <a:gd name="adj1" fmla="val 33677"/>
-              <a:gd name="adj2" fmla="val 25000"/>
-              <a:gd name="adj3" fmla="val 33030"/>
-              <a:gd name="adj4" fmla="val 61053"/>
-            </a:avLst>
-          </a:prstGeom>
-        </p:spPr>
-        <p:style>
-          <a:lnRef idx="2">
-            <a:schemeClr val="dk1">
-              <a:shade val="50000"/>
-            </a:schemeClr>
-          </a:lnRef>
-          <a:fillRef idx="1">
-            <a:schemeClr val="dk1"/>
-          </a:fillRef>
-          <a:effectRef idx="0">
-            <a:schemeClr val="dk1"/>
-          </a:effectRef>
-          <a:fontRef idx="minor">
-            <a:schemeClr val="lt1"/>
-          </a:fontRef>
-        </p:style>
-        <p:txBody>
-          <a:bodyPr rtlCol="0" anchor="ctr"/>
-          <a:lstStyle/>
-          <a:p>
-            <a:pPr algn="ctr"/>
-            <a:endParaRPr lang="en-US">
+        </p:grpSpPr>
+        <p:sp>
+          <p:nvSpPr>
+            <p:cNvPr id="39" name="Rechteck 38">
+              <a:extLst>
+                <a:ext uri="{FF2B5EF4-FFF2-40B4-BE49-F238E27FC236}">
+                  <a16:creationId xmlns:a16="http://schemas.microsoft.com/office/drawing/2014/main" id="{659AE74D-E16D-1D3A-7467-C9B43FB80F45}"/>
+                </a:ext>
+              </a:extLst>
+            </p:cNvPr>
+            <p:cNvSpPr/>
+            <p:nvPr/>
+          </p:nvSpPr>
+          <p:spPr>
+            <a:xfrm>
+              <a:off x="7880350" y="2270125"/>
+              <a:ext cx="4725988" cy="2466976"/>
+            </a:xfrm>
+            <a:prstGeom prst="rect">
+              <a:avLst/>
+            </a:prstGeom>
+            <a:solidFill>
+              <a:schemeClr val="bg1"/>
+            </a:solidFill>
+            <a:ln>
               <a:solidFill>
                 <a:schemeClr val="tx1"/>
               </a:solidFill>
-            </a:endParaRPr>
-          </a:p>
-        </p:txBody>
-      </p:sp>
-      <p:sp>
-        <p:nvSpPr>
-          <p:cNvPr id="1025" name="Halbbogen 1024">
-            <a:extLst>
-              <a:ext uri="{FF2B5EF4-FFF2-40B4-BE49-F238E27FC236}">
-                <a16:creationId xmlns:a16="http://schemas.microsoft.com/office/drawing/2014/main" id="{032FEA7F-29EA-6B2A-9675-84DF6FAE1747}"/>
-              </a:ext>
-            </a:extLst>
-          </p:cNvPr>
-          <p:cNvSpPr/>
+            </a:ln>
+            <a:effectLst>
+              <a:outerShdw blurRad="50800" dist="38100" dir="2700000" algn="tl" rotWithShape="0">
+                <a:prstClr val="black">
+                  <a:alpha val="40000"/>
+                </a:prstClr>
+              </a:outerShdw>
+            </a:effectLst>
+          </p:spPr>
+          <p:style>
+            <a:lnRef idx="2">
+              <a:schemeClr val="accent1">
+                <a:shade val="50000"/>
+              </a:schemeClr>
+            </a:lnRef>
+            <a:fillRef idx="1">
+              <a:schemeClr val="accent1"/>
+            </a:fillRef>
+            <a:effectRef idx="0">
+              <a:schemeClr val="accent1"/>
+            </a:effectRef>
+            <a:fontRef idx="minor">
+              <a:schemeClr val="lt1"/>
+            </a:fontRef>
+          </p:style>
+          <p:txBody>
+            <a:bodyPr rtlCol="0" anchor="ctr"/>
+            <a:lstStyle/>
+            <a:p>
+              <a:pPr algn="ctr"/>
+              <a:endParaRPr lang="en-US"/>
+            </a:p>
+          </p:txBody>
+        </p:sp>
+        <p:sp>
+          <p:nvSpPr>
+            <p:cNvPr id="35" name="Textfeld 34">
+              <a:extLst>
+                <a:ext uri="{FF2B5EF4-FFF2-40B4-BE49-F238E27FC236}">
+                  <a16:creationId xmlns:a16="http://schemas.microsoft.com/office/drawing/2014/main" id="{5346B39B-B121-DD55-F1F2-1466950C6BAD}"/>
+                </a:ext>
+              </a:extLst>
+            </p:cNvPr>
+            <p:cNvSpPr txBox="1"/>
+            <p:nvPr/>
+          </p:nvSpPr>
+          <p:spPr>
+            <a:xfrm>
+              <a:off x="9463559" y="2297761"/>
+              <a:ext cx="1557811" cy="338554"/>
+            </a:xfrm>
+            <a:prstGeom prst="rect">
+              <a:avLst/>
+            </a:prstGeom>
+            <a:noFill/>
+          </p:spPr>
+          <p:txBody>
+            <a:bodyPr wrap="square" rtlCol="0">
+              <a:spAutoFit/>
+            </a:bodyPr>
+            <a:lstStyle/>
+            <a:p>
+              <a:pPr algn="ctr"/>
+              <a:r>
+                <a:rPr lang="en-US" sz="1600" dirty="0"/>
+                <a:t>Measurement</a:t>
+              </a:r>
+            </a:p>
+          </p:txBody>
+        </p:sp>
+        <p:sp>
+          <p:nvSpPr>
+            <p:cNvPr id="34" name="Textfeld 33">
+              <a:extLst>
+                <a:ext uri="{FF2B5EF4-FFF2-40B4-BE49-F238E27FC236}">
+                  <a16:creationId xmlns:a16="http://schemas.microsoft.com/office/drawing/2014/main" id="{EC86F98F-AF0F-18EE-E8CD-0DE4B75A6CBA}"/>
+                </a:ext>
+              </a:extLst>
+            </p:cNvPr>
+            <p:cNvSpPr txBox="1"/>
+            <p:nvPr/>
+          </p:nvSpPr>
+          <p:spPr>
+            <a:xfrm>
+              <a:off x="7905750" y="2297761"/>
+              <a:ext cx="1557811" cy="338554"/>
+            </a:xfrm>
+            <a:prstGeom prst="rect">
+              <a:avLst/>
+            </a:prstGeom>
+            <a:noFill/>
+          </p:spPr>
+          <p:txBody>
+            <a:bodyPr wrap="square" rtlCol="0">
+              <a:spAutoFit/>
+            </a:bodyPr>
+            <a:lstStyle/>
+            <a:p>
+              <a:pPr algn="ctr"/>
+              <a:r>
+                <a:rPr lang="en-US" sz="1600" dirty="0"/>
+                <a:t>PDG Simulation</a:t>
+              </a:r>
+            </a:p>
+          </p:txBody>
+        </p:sp>
+        <p:pic>
+          <p:nvPicPr>
+            <p:cNvPr id="1026" name="Picture 2">
+              <a:extLst>
+                <a:ext uri="{FF2B5EF4-FFF2-40B4-BE49-F238E27FC236}">
+                  <a16:creationId xmlns:a16="http://schemas.microsoft.com/office/drawing/2014/main" id="{A98849B0-110B-386F-772A-B5B6D77F14C4}"/>
+                </a:ext>
+              </a:extLst>
+            </p:cNvPr>
+            <p:cNvPicPr>
+              <a:picLocks noChangeAspect="1" noChangeArrowheads="1"/>
+            </p:cNvPicPr>
+            <p:nvPr/>
+          </p:nvPicPr>
+          <p:blipFill>
+            <a:blip r:embed="rId6">
+              <a:extLst>
+                <a:ext uri="{28A0092B-C50C-407E-A947-70E740481C1C}">
+                  <a14:useLocalDpi xmlns:a14="http://schemas.microsoft.com/office/drawing/2010/main" val="0"/>
+                </a:ext>
+              </a:extLst>
+            </a:blip>
+            <a:srcRect/>
+            <a:stretch>
+              <a:fillRect/>
+            </a:stretch>
+          </p:blipFill>
+          <p:spPr bwMode="auto">
+            <a:xfrm>
+              <a:off x="9463560" y="2633988"/>
+              <a:ext cx="1557812" cy="2076442"/>
+            </a:xfrm>
+            <a:prstGeom prst="rect">
+              <a:avLst/>
+            </a:prstGeom>
+            <a:noFill/>
+            <a:extLst>
+              <a:ext uri="{909E8E84-426E-40DD-AFC4-6F175D3DCCD1}">
+                <a14:hiddenFill xmlns:a14="http://schemas.microsoft.com/office/drawing/2010/main">
+                  <a:solidFill>
+                    <a:srgbClr val="FFFFFF"/>
+                  </a:solidFill>
+                </a14:hiddenFill>
+              </a:ext>
+            </a:extLst>
+          </p:spPr>
+        </p:pic>
+        <p:pic>
+          <p:nvPicPr>
+            <p:cNvPr id="1028" name="Picture 4">
+              <a:extLst>
+                <a:ext uri="{FF2B5EF4-FFF2-40B4-BE49-F238E27FC236}">
+                  <a16:creationId xmlns:a16="http://schemas.microsoft.com/office/drawing/2014/main" id="{5CE4AB58-5397-2155-9B35-1711B3F42A13}"/>
+                </a:ext>
+              </a:extLst>
+            </p:cNvPr>
+            <p:cNvPicPr>
+              <a:picLocks noChangeAspect="1" noChangeArrowheads="1"/>
+            </p:cNvPicPr>
+            <p:nvPr/>
+          </p:nvPicPr>
+          <p:blipFill rotWithShape="1">
+            <a:blip r:embed="rId7">
+              <a:extLst>
+                <a:ext uri="{28A0092B-C50C-407E-A947-70E740481C1C}">
+                  <a14:useLocalDpi xmlns:a14="http://schemas.microsoft.com/office/drawing/2010/main" val="0"/>
+                </a:ext>
+              </a:extLst>
+            </a:blip>
+            <a:srcRect l="25181" r="18551"/>
+            <a:stretch/>
+          </p:blipFill>
+          <p:spPr bwMode="auto">
+            <a:xfrm>
+              <a:off x="7905750" y="2633988"/>
+              <a:ext cx="1557812" cy="2076442"/>
+            </a:xfrm>
+            <a:prstGeom prst="rect">
+              <a:avLst/>
+            </a:prstGeom>
+            <a:noFill/>
+            <a:extLst>
+              <a:ext uri="{909E8E84-426E-40DD-AFC4-6F175D3DCCD1}">
+                <a14:hiddenFill xmlns:a14="http://schemas.microsoft.com/office/drawing/2010/main">
+                  <a:solidFill>
+                    <a:srgbClr val="FFFFFF"/>
+                  </a:solidFill>
+                </a14:hiddenFill>
+              </a:ext>
+            </a:extLst>
+          </p:spPr>
+        </p:pic>
+        <p:sp>
+          <p:nvSpPr>
+            <p:cNvPr id="36" name="Rechteck 35">
+              <a:extLst>
+                <a:ext uri="{FF2B5EF4-FFF2-40B4-BE49-F238E27FC236}">
+                  <a16:creationId xmlns:a16="http://schemas.microsoft.com/office/drawing/2014/main" id="{67367200-27BA-CE76-8858-09A2E60BA1F6}"/>
+                </a:ext>
+              </a:extLst>
+            </p:cNvPr>
+            <p:cNvSpPr/>
+            <p:nvPr/>
+          </p:nvSpPr>
+          <p:spPr>
+            <a:xfrm>
+              <a:off x="7905750" y="2297760"/>
+              <a:ext cx="1557811" cy="2412669"/>
+            </a:xfrm>
+            <a:prstGeom prst="rect">
+              <a:avLst/>
+            </a:prstGeom>
+            <a:noFill/>
+          </p:spPr>
+          <p:style>
+            <a:lnRef idx="2">
+              <a:schemeClr val="dk1"/>
+            </a:lnRef>
+            <a:fillRef idx="1">
+              <a:schemeClr val="lt1"/>
+            </a:fillRef>
+            <a:effectRef idx="0">
+              <a:schemeClr val="dk1"/>
+            </a:effectRef>
+            <a:fontRef idx="minor">
+              <a:schemeClr val="dk1"/>
+            </a:fontRef>
+          </p:style>
+          <p:txBody>
+            <a:bodyPr rtlCol="0" anchor="ctr"/>
+            <a:lstStyle/>
+            <a:p>
+              <a:pPr algn="ctr"/>
+              <a:endParaRPr lang="en-US"/>
+            </a:p>
+          </p:txBody>
+        </p:sp>
+        <p:sp>
+          <p:nvSpPr>
+            <p:cNvPr id="38" name="Rechteck 37">
+              <a:extLst>
+                <a:ext uri="{FF2B5EF4-FFF2-40B4-BE49-F238E27FC236}">
+                  <a16:creationId xmlns:a16="http://schemas.microsoft.com/office/drawing/2014/main" id="{431454EC-56CC-EBAF-5774-A0A14B970682}"/>
+                </a:ext>
+              </a:extLst>
+            </p:cNvPr>
+            <p:cNvSpPr/>
+            <p:nvPr/>
+          </p:nvSpPr>
+          <p:spPr>
+            <a:xfrm>
+              <a:off x="9463561" y="2297760"/>
+              <a:ext cx="1557811" cy="2412669"/>
+            </a:xfrm>
+            <a:prstGeom prst="rect">
+              <a:avLst/>
+            </a:prstGeom>
+            <a:noFill/>
+          </p:spPr>
+          <p:style>
+            <a:lnRef idx="2">
+              <a:schemeClr val="dk1"/>
+            </a:lnRef>
+            <a:fillRef idx="1">
+              <a:schemeClr val="lt1"/>
+            </a:fillRef>
+            <a:effectRef idx="0">
+              <a:schemeClr val="dk1"/>
+            </a:effectRef>
+            <a:fontRef idx="minor">
+              <a:schemeClr val="dk1"/>
+            </a:fontRef>
+          </p:style>
+          <p:txBody>
+            <a:bodyPr rtlCol="0" anchor="ctr"/>
+            <a:lstStyle/>
+            <a:p>
+              <a:pPr algn="ctr"/>
+              <a:endParaRPr lang="en-US"/>
+            </a:p>
+          </p:txBody>
+        </p:sp>
+        <p:pic>
+          <p:nvPicPr>
+            <p:cNvPr id="2" name="Grafik 1">
+              <a:extLst>
+                <a:ext uri="{FF2B5EF4-FFF2-40B4-BE49-F238E27FC236}">
+                  <a16:creationId xmlns:a16="http://schemas.microsoft.com/office/drawing/2014/main" id="{019D2E8B-3E27-4E49-AE56-50A61563A04E}"/>
+                </a:ext>
+              </a:extLst>
+            </p:cNvPr>
+            <p:cNvPicPr>
+              <a:picLocks noChangeAspect="1"/>
+            </p:cNvPicPr>
+            <p:nvPr/>
+          </p:nvPicPr>
+          <p:blipFill rotWithShape="1">
+            <a:blip r:embed="rId8">
+              <a:extLst>
+                <a:ext uri="{28A0092B-C50C-407E-A947-70E740481C1C}">
+                  <a14:useLocalDpi xmlns:a14="http://schemas.microsoft.com/office/drawing/2010/main" val="0"/>
+                </a:ext>
+              </a:extLst>
+            </a:blip>
+            <a:srcRect l="11533" t="9793" r="11323" b="4788"/>
+            <a:stretch/>
+          </p:blipFill>
+          <p:spPr>
+            <a:xfrm>
+              <a:off x="11021363" y="2633505"/>
+              <a:ext cx="1557811" cy="2076442"/>
+            </a:xfrm>
+            <a:prstGeom prst="rect">
+              <a:avLst/>
+            </a:prstGeom>
+          </p:spPr>
+        </p:pic>
+        <p:sp>
+          <p:nvSpPr>
+            <p:cNvPr id="42" name="Rechteck 41">
+              <a:extLst>
+                <a:ext uri="{FF2B5EF4-FFF2-40B4-BE49-F238E27FC236}">
+                  <a16:creationId xmlns:a16="http://schemas.microsoft.com/office/drawing/2014/main" id="{0F856DBB-9214-4A34-96EB-C51D4289F7C8}"/>
+                </a:ext>
+              </a:extLst>
+            </p:cNvPr>
+            <p:cNvSpPr/>
+            <p:nvPr/>
+          </p:nvSpPr>
+          <p:spPr>
+            <a:xfrm>
+              <a:off x="11021367" y="2297278"/>
+              <a:ext cx="1557811" cy="2412669"/>
+            </a:xfrm>
+            <a:prstGeom prst="rect">
+              <a:avLst/>
+            </a:prstGeom>
+            <a:noFill/>
+          </p:spPr>
+          <p:style>
+            <a:lnRef idx="2">
+              <a:schemeClr val="dk1"/>
+            </a:lnRef>
+            <a:fillRef idx="1">
+              <a:schemeClr val="lt1"/>
+            </a:fillRef>
+            <a:effectRef idx="0">
+              <a:schemeClr val="dk1"/>
+            </a:effectRef>
+            <a:fontRef idx="minor">
+              <a:schemeClr val="dk1"/>
+            </a:fontRef>
+          </p:style>
+          <p:txBody>
+            <a:bodyPr rtlCol="0" anchor="ctr"/>
+            <a:lstStyle/>
+            <a:p>
+              <a:pPr algn="ctr"/>
+              <a:endParaRPr lang="en-US"/>
+            </a:p>
+          </p:txBody>
+        </p:sp>
+        <p:sp>
+          <p:nvSpPr>
+            <p:cNvPr id="43" name="Textfeld 42">
+              <a:extLst>
+                <a:ext uri="{FF2B5EF4-FFF2-40B4-BE49-F238E27FC236}">
+                  <a16:creationId xmlns:a16="http://schemas.microsoft.com/office/drawing/2014/main" id="{157E72E4-FE17-4DCF-941D-7CD4E51367BD}"/>
+                </a:ext>
+              </a:extLst>
+            </p:cNvPr>
+            <p:cNvSpPr txBox="1"/>
+            <p:nvPr/>
+          </p:nvSpPr>
+          <p:spPr>
+            <a:xfrm>
+              <a:off x="11021364" y="2297761"/>
+              <a:ext cx="1557811" cy="338554"/>
+            </a:xfrm>
+            <a:prstGeom prst="rect">
+              <a:avLst/>
+            </a:prstGeom>
+            <a:noFill/>
+          </p:spPr>
+          <p:txBody>
+            <a:bodyPr wrap="square" rtlCol="0">
+              <a:spAutoFit/>
+            </a:bodyPr>
+            <a:lstStyle/>
+            <a:p>
+              <a:pPr algn="ctr"/>
+              <a:r>
+                <a:rPr lang="en-US" sz="1600" dirty="0"/>
+                <a:t>Visualization</a:t>
+              </a:r>
+            </a:p>
+          </p:txBody>
+        </p:sp>
+      </p:grpSp>
+      <p:pic>
+        <p:nvPicPr>
+          <p:cNvPr id="45" name="Grafik 44" descr="cid:image002.jpg@01D8D4C8.A05F7DB0">
+            <a:extLst>
+              <a:ext uri="{FF2B5EF4-FFF2-40B4-BE49-F238E27FC236}">
+                <a16:creationId xmlns:a16="http://schemas.microsoft.com/office/drawing/2014/main" id="{1AA1532F-846F-4233-863B-A4F486FE928E}"/>
+              </a:ext>
+            </a:extLst>
+          </p:cNvPr>
+          <p:cNvPicPr/>
           <p:nvPr/>
-        </p:nvSpPr>
-        <p:spPr>
-          <a:xfrm rot="16200000">
-            <a:off x="4696711" y="3858985"/>
-            <a:ext cx="535709" cy="629865"/>
-          </a:xfrm>
-          <a:prstGeom prst="blockArc">
-            <a:avLst>
-              <a:gd name="adj1" fmla="val 10800000"/>
-              <a:gd name="adj2" fmla="val 16234216"/>
-              <a:gd name="adj3" fmla="val 33528"/>
-            </a:avLst>
-          </a:prstGeom>
-        </p:spPr>
-        <p:style>
-          <a:lnRef idx="2">
-            <a:schemeClr val="dk1">
-              <a:shade val="50000"/>
-            </a:schemeClr>
-          </a:lnRef>
-          <a:fillRef idx="1">
-            <a:schemeClr val="dk1"/>
-          </a:fillRef>
-          <a:effectRef idx="0">
-            <a:schemeClr val="dk1"/>
-          </a:effectRef>
-          <a:fontRef idx="minor">
-            <a:schemeClr val="lt1"/>
-          </a:fontRef>
-        </p:style>
-        <p:txBody>
-          <a:bodyPr rtlCol="0" anchor="ctr"/>
-          <a:lstStyle/>
-          <a:p>
-            <a:pPr algn="ctr"/>
-            <a:endParaRPr lang="en-US">
-              <a:solidFill>
-                <a:schemeClr val="tx1"/>
-              </a:solidFill>
-            </a:endParaRPr>
-          </a:p>
-        </p:txBody>
-      </p:sp>
-      <p:sp>
-        <p:nvSpPr>
-          <p:cNvPr id="1029" name="Pfeil: nach rechts 1028">
-            <a:extLst>
-              <a:ext uri="{FF2B5EF4-FFF2-40B4-BE49-F238E27FC236}">
-                <a16:creationId xmlns:a16="http://schemas.microsoft.com/office/drawing/2014/main" id="{069D6E0E-AAE8-B061-ED2F-98A9CD4619ED}"/>
-              </a:ext>
-            </a:extLst>
-          </p:cNvPr>
-          <p:cNvSpPr/>
-          <p:nvPr/>
-        </p:nvSpPr>
-        <p:spPr>
+        </p:nvPicPr>
+        <p:blipFill rotWithShape="1">
+          <a:blip r:embed="rId9" r:link="rId10" cstate="print">
+            <a:extLst>
+              <a:ext uri="{28A0092B-C50C-407E-A947-70E740481C1C}">
+                <a14:useLocalDpi xmlns:a14="http://schemas.microsoft.com/office/drawing/2010/main" val="0"/>
+              </a:ext>
+            </a:extLst>
+          </a:blip>
+          <a:srcRect l="1294" r="1346" b="18686"/>
+          <a:stretch>
+            <a:fillRect/>
+          </a:stretch>
+        </p:blipFill>
+        <p:spPr bwMode="auto">
           <a:xfrm>
-            <a:off x="4290670" y="2241470"/>
-            <a:ext cx="673895" cy="368706"/>
-          </a:xfrm>
-          <a:prstGeom prst="rightArrow">
-            <a:avLst>
-              <a:gd name="adj1" fmla="val 50000"/>
-              <a:gd name="adj2" fmla="val 67535"/>
-            </a:avLst>
-          </a:prstGeom>
-        </p:spPr>
-        <p:style>
-          <a:lnRef idx="2">
-            <a:schemeClr val="dk1">
-              <a:shade val="50000"/>
-            </a:schemeClr>
-          </a:lnRef>
-          <a:fillRef idx="1">
-            <a:schemeClr val="dk1"/>
-          </a:fillRef>
-          <a:effectRef idx="0">
-            <a:schemeClr val="dk1"/>
-          </a:effectRef>
-          <a:fontRef idx="minor">
-            <a:schemeClr val="lt1"/>
-          </a:fontRef>
-        </p:style>
-        <p:txBody>
-          <a:bodyPr rtlCol="0" anchor="ctr"/>
-          <a:lstStyle/>
-          <a:p>
-            <a:pPr algn="ctr"/>
-            <a:endParaRPr lang="en-US"/>
-          </a:p>
-        </p:txBody>
-      </p:sp>
-      <p:sp>
-        <p:nvSpPr>
-          <p:cNvPr id="5" name="Textfeld 4">
-            <a:extLst>
-              <a:ext uri="{FF2B5EF4-FFF2-40B4-BE49-F238E27FC236}">
-                <a16:creationId xmlns:a16="http://schemas.microsoft.com/office/drawing/2014/main" id="{684F6AF5-6901-8FCA-70EB-9B4F6B528232}"/>
-              </a:ext>
-            </a:extLst>
-          </p:cNvPr>
-          <p:cNvSpPr txBox="1"/>
-          <p:nvPr/>
-        </p:nvSpPr>
-        <p:spPr>
-          <a:xfrm>
-            <a:off x="6696344" y="5682023"/>
-            <a:ext cx="4352656" cy="461665"/>
+            <a:off x="4349750" y="3670522"/>
+            <a:ext cx="2578100" cy="2244503"/>
           </a:xfrm>
           <a:prstGeom prst="rect">
             <a:avLst/>
           </a:prstGeom>
           <a:noFill/>
+          <a:ln>
+            <a:noFill/>
+          </a:ln>
         </p:spPr>
-        <p:txBody>
-          <a:bodyPr wrap="square">
-            <a:spAutoFit/>
-          </a:bodyPr>
-          <a:lstStyle/>
-          <a:p>
-            <a:pPr algn="r"/>
-            <a:r>
-              <a:rPr lang="en-US" sz="1200" dirty="0">
-                <a:solidFill>
-                  <a:schemeClr val="tx1">
-                    <a:lumMod val="50000"/>
-                    <a:lumOff val="50000"/>
-                  </a:schemeClr>
-                </a:solidFill>
-              </a:rPr>
-              <a:t>https://mriquestions.com/projectiles.html</a:t>
-            </a:r>
-          </a:p>
-          <a:p>
-            <a:pPr algn="r"/>
-            <a:r>
-              <a:rPr lang="en-US" sz="1200" dirty="0">
-                <a:solidFill>
-                  <a:schemeClr val="tx1">
-                    <a:lumMod val="50000"/>
-                    <a:lumOff val="50000"/>
-                  </a:schemeClr>
-                </a:solidFill>
-              </a:rPr>
-              <a:t>https://de.wikipedia.org/wiki/Datei:Old_computer_2.jpg</a:t>
-            </a:r>
-          </a:p>
-        </p:txBody>
-      </p:sp>
+      </p:pic>
     </p:spTree>
     <p:extLst>
       <p:ext uri="{BB962C8B-B14F-4D97-AF65-F5344CB8AC3E}">

--- a/MRI Together/Figure.pptx
+++ b/MRI Together/Figure.pptx
@@ -261,9 +261,9 @@
           <a:p>
             <a:fld id="{BA3ACEC2-8D56-44D4-A07D-D28DD774743D}" type="datetimeFigureOut">
               <a:rPr lang="en-US" smtClean="0"/>
-              <a:t>10/4/2022</a:t>
+              <a:t>10/5/2022</a:t>
             </a:fld>
-            <a:endParaRPr lang="en-US"/>
+            <a:endParaRPr lang="en-US" dirty="0"/>
           </a:p>
         </p:txBody>
       </p:sp>
@@ -288,7 +288,7 @@
           <a:bodyPr/>
           <a:lstStyle/>
           <a:p>
-            <a:endParaRPr lang="en-US"/>
+            <a:endParaRPr lang="en-US" dirty="0"/>
           </a:p>
         </p:txBody>
       </p:sp>
@@ -317,7 +317,7 @@
               <a:rPr lang="en-US" smtClean="0"/>
               <a:t>‹Nr.›</a:t>
             </a:fld>
-            <a:endParaRPr lang="en-US"/>
+            <a:endParaRPr lang="en-US" dirty="0"/>
           </a:p>
         </p:txBody>
       </p:sp>
@@ -461,9 +461,9 @@
           <a:p>
             <a:fld id="{BA3ACEC2-8D56-44D4-A07D-D28DD774743D}" type="datetimeFigureOut">
               <a:rPr lang="en-US" smtClean="0"/>
-              <a:t>10/4/2022</a:t>
+              <a:t>10/5/2022</a:t>
             </a:fld>
-            <a:endParaRPr lang="en-US"/>
+            <a:endParaRPr lang="en-US" dirty="0"/>
           </a:p>
         </p:txBody>
       </p:sp>
@@ -488,7 +488,7 @@
           <a:bodyPr/>
           <a:lstStyle/>
           <a:p>
-            <a:endParaRPr lang="en-US"/>
+            <a:endParaRPr lang="en-US" dirty="0"/>
           </a:p>
         </p:txBody>
       </p:sp>
@@ -517,7 +517,7 @@
               <a:rPr lang="en-US" smtClean="0"/>
               <a:t>‹Nr.›</a:t>
             </a:fld>
-            <a:endParaRPr lang="en-US"/>
+            <a:endParaRPr lang="en-US" dirty="0"/>
           </a:p>
         </p:txBody>
       </p:sp>
@@ -671,9 +671,9 @@
           <a:p>
             <a:fld id="{BA3ACEC2-8D56-44D4-A07D-D28DD774743D}" type="datetimeFigureOut">
               <a:rPr lang="en-US" smtClean="0"/>
-              <a:t>10/4/2022</a:t>
+              <a:t>10/5/2022</a:t>
             </a:fld>
-            <a:endParaRPr lang="en-US"/>
+            <a:endParaRPr lang="en-US" dirty="0"/>
           </a:p>
         </p:txBody>
       </p:sp>
@@ -698,7 +698,7 @@
           <a:bodyPr/>
           <a:lstStyle/>
           <a:p>
-            <a:endParaRPr lang="en-US"/>
+            <a:endParaRPr lang="en-US" dirty="0"/>
           </a:p>
         </p:txBody>
       </p:sp>
@@ -727,7 +727,7 @@
               <a:rPr lang="en-US" smtClean="0"/>
               <a:t>‹Nr.›</a:t>
             </a:fld>
-            <a:endParaRPr lang="en-US"/>
+            <a:endParaRPr lang="en-US" dirty="0"/>
           </a:p>
         </p:txBody>
       </p:sp>
@@ -871,9 +871,9 @@
           <a:p>
             <a:fld id="{BA3ACEC2-8D56-44D4-A07D-D28DD774743D}" type="datetimeFigureOut">
               <a:rPr lang="en-US" smtClean="0"/>
-              <a:t>10/4/2022</a:t>
+              <a:t>10/5/2022</a:t>
             </a:fld>
-            <a:endParaRPr lang="en-US"/>
+            <a:endParaRPr lang="en-US" dirty="0"/>
           </a:p>
         </p:txBody>
       </p:sp>
@@ -898,7 +898,7 @@
           <a:bodyPr/>
           <a:lstStyle/>
           <a:p>
-            <a:endParaRPr lang="en-US"/>
+            <a:endParaRPr lang="en-US" dirty="0"/>
           </a:p>
         </p:txBody>
       </p:sp>
@@ -927,7 +927,7 @@
               <a:rPr lang="en-US" smtClean="0"/>
               <a:t>‹Nr.›</a:t>
             </a:fld>
-            <a:endParaRPr lang="en-US"/>
+            <a:endParaRPr lang="en-US" dirty="0"/>
           </a:p>
         </p:txBody>
       </p:sp>
@@ -1147,9 +1147,9 @@
           <a:p>
             <a:fld id="{BA3ACEC2-8D56-44D4-A07D-D28DD774743D}" type="datetimeFigureOut">
               <a:rPr lang="en-US" smtClean="0"/>
-              <a:t>10/4/2022</a:t>
+              <a:t>10/5/2022</a:t>
             </a:fld>
-            <a:endParaRPr lang="en-US"/>
+            <a:endParaRPr lang="en-US" dirty="0"/>
           </a:p>
         </p:txBody>
       </p:sp>
@@ -1174,7 +1174,7 @@
           <a:bodyPr/>
           <a:lstStyle/>
           <a:p>
-            <a:endParaRPr lang="en-US"/>
+            <a:endParaRPr lang="en-US" dirty="0"/>
           </a:p>
         </p:txBody>
       </p:sp>
@@ -1203,7 +1203,7 @@
               <a:rPr lang="en-US" smtClean="0"/>
               <a:t>‹Nr.›</a:t>
             </a:fld>
-            <a:endParaRPr lang="en-US"/>
+            <a:endParaRPr lang="en-US" dirty="0"/>
           </a:p>
         </p:txBody>
       </p:sp>
@@ -1415,9 +1415,9 @@
           <a:p>
             <a:fld id="{BA3ACEC2-8D56-44D4-A07D-D28DD774743D}" type="datetimeFigureOut">
               <a:rPr lang="en-US" smtClean="0"/>
-              <a:t>10/4/2022</a:t>
+              <a:t>10/5/2022</a:t>
             </a:fld>
-            <a:endParaRPr lang="en-US"/>
+            <a:endParaRPr lang="en-US" dirty="0"/>
           </a:p>
         </p:txBody>
       </p:sp>
@@ -1442,7 +1442,7 @@
           <a:bodyPr/>
           <a:lstStyle/>
           <a:p>
-            <a:endParaRPr lang="en-US"/>
+            <a:endParaRPr lang="en-US" dirty="0"/>
           </a:p>
         </p:txBody>
       </p:sp>
@@ -1471,7 +1471,7 @@
               <a:rPr lang="en-US" smtClean="0"/>
               <a:t>‹Nr.›</a:t>
             </a:fld>
-            <a:endParaRPr lang="en-US"/>
+            <a:endParaRPr lang="en-US" dirty="0"/>
           </a:p>
         </p:txBody>
       </p:sp>
@@ -1830,9 +1830,9 @@
           <a:p>
             <a:fld id="{BA3ACEC2-8D56-44D4-A07D-D28DD774743D}" type="datetimeFigureOut">
               <a:rPr lang="en-US" smtClean="0"/>
-              <a:t>10/4/2022</a:t>
+              <a:t>10/5/2022</a:t>
             </a:fld>
-            <a:endParaRPr lang="en-US"/>
+            <a:endParaRPr lang="en-US" dirty="0"/>
           </a:p>
         </p:txBody>
       </p:sp>
@@ -1857,7 +1857,7 @@
           <a:bodyPr/>
           <a:lstStyle/>
           <a:p>
-            <a:endParaRPr lang="en-US"/>
+            <a:endParaRPr lang="en-US" dirty="0"/>
           </a:p>
         </p:txBody>
       </p:sp>
@@ -1886,7 +1886,7 @@
               <a:rPr lang="en-US" smtClean="0"/>
               <a:t>‹Nr.›</a:t>
             </a:fld>
-            <a:endParaRPr lang="en-US"/>
+            <a:endParaRPr lang="en-US" dirty="0"/>
           </a:p>
         </p:txBody>
       </p:sp>
@@ -1972,9 +1972,9 @@
           <a:p>
             <a:fld id="{BA3ACEC2-8D56-44D4-A07D-D28DD774743D}" type="datetimeFigureOut">
               <a:rPr lang="en-US" smtClean="0"/>
-              <a:t>10/4/2022</a:t>
+              <a:t>10/5/2022</a:t>
             </a:fld>
-            <a:endParaRPr lang="en-US"/>
+            <a:endParaRPr lang="en-US" dirty="0"/>
           </a:p>
         </p:txBody>
       </p:sp>
@@ -1999,7 +1999,7 @@
           <a:bodyPr/>
           <a:lstStyle/>
           <a:p>
-            <a:endParaRPr lang="en-US"/>
+            <a:endParaRPr lang="en-US" dirty="0"/>
           </a:p>
         </p:txBody>
       </p:sp>
@@ -2028,7 +2028,7 @@
               <a:rPr lang="en-US" smtClean="0"/>
               <a:t>‹Nr.›</a:t>
             </a:fld>
-            <a:endParaRPr lang="en-US"/>
+            <a:endParaRPr lang="en-US" dirty="0"/>
           </a:p>
         </p:txBody>
       </p:sp>
@@ -2085,9 +2085,9 @@
           <a:p>
             <a:fld id="{BA3ACEC2-8D56-44D4-A07D-D28DD774743D}" type="datetimeFigureOut">
               <a:rPr lang="en-US" smtClean="0"/>
-              <a:t>10/4/2022</a:t>
+              <a:t>10/5/2022</a:t>
             </a:fld>
-            <a:endParaRPr lang="en-US"/>
+            <a:endParaRPr lang="en-US" dirty="0"/>
           </a:p>
         </p:txBody>
       </p:sp>
@@ -2112,7 +2112,7 @@
           <a:bodyPr/>
           <a:lstStyle/>
           <a:p>
-            <a:endParaRPr lang="en-US"/>
+            <a:endParaRPr lang="en-US" dirty="0"/>
           </a:p>
         </p:txBody>
       </p:sp>
@@ -2141,7 +2141,7 @@
               <a:rPr lang="en-US" smtClean="0"/>
               <a:t>‹Nr.›</a:t>
             </a:fld>
-            <a:endParaRPr lang="en-US"/>
+            <a:endParaRPr lang="en-US" dirty="0"/>
           </a:p>
         </p:txBody>
       </p:sp>
@@ -2398,9 +2398,9 @@
           <a:p>
             <a:fld id="{BA3ACEC2-8D56-44D4-A07D-D28DD774743D}" type="datetimeFigureOut">
               <a:rPr lang="en-US" smtClean="0"/>
-              <a:t>10/4/2022</a:t>
+              <a:t>10/5/2022</a:t>
             </a:fld>
-            <a:endParaRPr lang="en-US"/>
+            <a:endParaRPr lang="en-US" dirty="0"/>
           </a:p>
         </p:txBody>
       </p:sp>
@@ -2425,7 +2425,7 @@
           <a:bodyPr/>
           <a:lstStyle/>
           <a:p>
-            <a:endParaRPr lang="en-US"/>
+            <a:endParaRPr lang="en-US" dirty="0"/>
           </a:p>
         </p:txBody>
       </p:sp>
@@ -2454,7 +2454,7 @@
               <a:rPr lang="en-US" smtClean="0"/>
               <a:t>‹Nr.›</a:t>
             </a:fld>
-            <a:endParaRPr lang="en-US"/>
+            <a:endParaRPr lang="en-US" dirty="0"/>
           </a:p>
         </p:txBody>
       </p:sp>
@@ -2589,7 +2589,7 @@
             </a:lvl9pPr>
           </a:lstStyle>
           <a:p>
-            <a:endParaRPr lang="en-US"/>
+            <a:endParaRPr lang="en-US" dirty="0"/>
           </a:p>
         </p:txBody>
       </p:sp>
@@ -2687,9 +2687,9 @@
           <a:p>
             <a:fld id="{BA3ACEC2-8D56-44D4-A07D-D28DD774743D}" type="datetimeFigureOut">
               <a:rPr lang="en-US" smtClean="0"/>
-              <a:t>10/4/2022</a:t>
+              <a:t>10/5/2022</a:t>
             </a:fld>
-            <a:endParaRPr lang="en-US"/>
+            <a:endParaRPr lang="en-US" dirty="0"/>
           </a:p>
         </p:txBody>
       </p:sp>
@@ -2714,7 +2714,7 @@
           <a:bodyPr/>
           <a:lstStyle/>
           <a:p>
-            <a:endParaRPr lang="en-US"/>
+            <a:endParaRPr lang="en-US" dirty="0"/>
           </a:p>
         </p:txBody>
       </p:sp>
@@ -2743,7 +2743,7 @@
               <a:rPr lang="en-US" smtClean="0"/>
               <a:t>‹Nr.›</a:t>
             </a:fld>
-            <a:endParaRPr lang="en-US"/>
+            <a:endParaRPr lang="en-US" dirty="0"/>
           </a:p>
         </p:txBody>
       </p:sp>
@@ -2930,9 +2930,9 @@
           <a:p>
             <a:fld id="{BA3ACEC2-8D56-44D4-A07D-D28DD774743D}" type="datetimeFigureOut">
               <a:rPr lang="en-US" smtClean="0"/>
-              <a:t>10/4/2022</a:t>
+              <a:t>10/5/2022</a:t>
             </a:fld>
-            <a:endParaRPr lang="en-US"/>
+            <a:endParaRPr lang="en-US" dirty="0"/>
           </a:p>
         </p:txBody>
       </p:sp>
@@ -2975,7 +2975,7 @@
             </a:lvl1pPr>
           </a:lstStyle>
           <a:p>
-            <a:endParaRPr lang="en-US"/>
+            <a:endParaRPr lang="en-US" dirty="0"/>
           </a:p>
         </p:txBody>
       </p:sp>
@@ -3022,7 +3022,7 @@
               <a:rPr lang="en-US" smtClean="0"/>
               <a:t>‹Nr.›</a:t>
             </a:fld>
-            <a:endParaRPr lang="en-US"/>
+            <a:endParaRPr lang="en-US" dirty="0"/>
           </a:p>
         </p:txBody>
       </p:sp>
@@ -3394,7 +3394,7 @@
           <a:lstStyle/>
           <a:p>
             <a:pPr algn="ctr"/>
-            <a:endParaRPr lang="en-US"/>
+            <a:endParaRPr lang="en-US" dirty="0"/>
           </a:p>
         </p:txBody>
       </p:sp>
@@ -3428,9 +3428,10 @@
           <a:p>
             <a:pPr algn="ctr"/>
             <a:r>
-              <a:rPr lang="en-US" sz="1600" dirty="0"/>
-              <a:t>Signal</a:t>
-            </a:r>
+              <a:rPr lang="en-US" sz="1600" dirty="0" smtClean="0"/>
+              <a:t>Signal added to seq.plot()</a:t>
+            </a:r>
+            <a:endParaRPr lang="en-US" sz="1600" dirty="0"/>
           </a:p>
         </p:txBody>
       </p:sp>
@@ -3551,7 +3552,7 @@
             <a:lstStyle/>
             <a:p>
               <a:pPr algn="ctr"/>
-              <a:endParaRPr lang="en-US"/>
+              <a:endParaRPr lang="en-US" dirty="0"/>
             </a:p>
           </p:txBody>
         </p:sp>
@@ -3641,7 +3642,7 @@
           <a:lstStyle/>
           <a:p>
             <a:pPr algn="ctr"/>
-            <a:endParaRPr lang="en-US">
+            <a:endParaRPr lang="en-US" dirty="0">
               <a:solidFill>
                 <a:schemeClr val="tx1"/>
               </a:solidFill>
@@ -3696,7 +3697,7 @@
           <a:lstStyle/>
           <a:p>
             <a:pPr algn="ctr"/>
-            <a:endParaRPr lang="en-US">
+            <a:endParaRPr lang="en-US" dirty="0">
               <a:solidFill>
                 <a:schemeClr val="tx1"/>
               </a:solidFill>
@@ -3769,7 +3770,7 @@
             <a:lstStyle/>
             <a:p>
               <a:pPr algn="ctr"/>
-              <a:endParaRPr lang="en-US"/>
+              <a:endParaRPr lang="en-US" dirty="0"/>
             </a:p>
           </p:txBody>
         </p:sp>
@@ -3788,7 +3789,7 @@
             <p:nvPr/>
           </p:nvPicPr>
           <p:blipFill>
-            <a:blip r:embed="rId4">
+            <a:blip r:embed="rId4" cstate="hqprint">
               <a:extLst>
                 <a:ext uri="{28A0092B-C50C-407E-A947-70E740481C1C}">
                   <a14:useLocalDpi xmlns:a14="http://schemas.microsoft.com/office/drawing/2010/main" val="0"/>
@@ -3861,25 +3862,7 @@
                   </a:solidFill>
                   <a:latin typeface="Fira Code" panose="020B0809050000020004" pitchFamily="49" charset="0"/>
                 </a:rPr>
-                <a:t># Define a </a:t>
-              </a:r>
-              <a:r>
-                <a:rPr lang="en-US" sz="1200" dirty="0" err="1">
-                  <a:solidFill>
-                    <a:srgbClr val="008000"/>
-                  </a:solidFill>
-                  <a:latin typeface="Fira Code" panose="020B0809050000020004" pitchFamily="49" charset="0"/>
-                </a:rPr>
-                <a:t>pulseq</a:t>
-              </a:r>
-              <a:r>
-                <a:rPr lang="en-US" sz="1200" dirty="0">
-                  <a:solidFill>
-                    <a:srgbClr val="008000"/>
-                  </a:solidFill>
-                  <a:latin typeface="Fira Code" panose="020B0809050000020004" pitchFamily="49" charset="0"/>
-                </a:rPr>
-                <a:t> sequence</a:t>
+                <a:t># Define a pulseq sequence</a:t>
               </a:r>
               <a:endParaRPr lang="en-US" sz="1200" dirty="0">
                 <a:solidFill>
@@ -3920,6 +3903,15 @@
               </a:r>
             </a:p>
             <a:p>
+              <a:r>
+                <a:rPr lang="en-US" sz="1200" dirty="0">
+                  <a:solidFill>
+                    <a:srgbClr val="000000"/>
+                  </a:solidFill>
+                  <a:latin typeface="Fira Code" panose="020B0809050000020004" pitchFamily="49" charset="0"/>
+                </a:rPr>
+                <a:t/>
+              </a:r>
               <a:br>
                 <a:rPr lang="en-US" sz="1200" dirty="0">
                   <a:solidFill>
@@ -3929,7 +3921,7 @@
                 </a:rPr>
               </a:br>
               <a:r>
-                <a:rPr lang="en-US" sz="1200" dirty="0" err="1">
+                <a:rPr lang="en-US" sz="1200" dirty="0">
                   <a:solidFill>
                     <a:srgbClr val="001080"/>
                   </a:solidFill>
@@ -3938,22 +3930,13 @@
                 <a:t>seq</a:t>
               </a:r>
               <a:r>
-                <a:rPr lang="en-US" sz="1200" dirty="0" err="1">
-                  <a:solidFill>
-                    <a:srgbClr val="000000"/>
-                  </a:solidFill>
-                  <a:latin typeface="Fira Code" panose="020B0809050000020004" pitchFamily="49" charset="0"/>
-                </a:rPr>
-                <a:t>.write</a:t>
-              </a:r>
-              <a:r>
                 <a:rPr lang="en-US" sz="1200" dirty="0">
                   <a:solidFill>
                     <a:srgbClr val="000000"/>
                   </a:solidFill>
                   <a:latin typeface="Fira Code" panose="020B0809050000020004" pitchFamily="49" charset="0"/>
                 </a:rPr>
-                <a:t>(</a:t>
+                <a:t>.write(</a:t>
               </a:r>
               <a:r>
                 <a:rPr lang="en-US" sz="1200" dirty="0">
@@ -3962,25 +3945,7 @@
                   </a:solidFill>
                   <a:latin typeface="Fira Code" panose="020B0809050000020004" pitchFamily="49" charset="0"/>
                 </a:rPr>
-                <a:t>'</a:t>
-              </a:r>
-              <a:r>
-                <a:rPr lang="en-US" sz="1200" dirty="0" err="1">
-                  <a:solidFill>
-                    <a:srgbClr val="A31515"/>
-                  </a:solidFill>
-                  <a:latin typeface="Fira Code" panose="020B0809050000020004" pitchFamily="49" charset="0"/>
-                </a:rPr>
-                <a:t>bSSFP.seq</a:t>
-              </a:r>
-              <a:r>
-                <a:rPr lang="en-US" sz="1200" dirty="0">
-                  <a:solidFill>
-                    <a:srgbClr val="A31515"/>
-                  </a:solidFill>
-                  <a:latin typeface="Fira Code" panose="020B0809050000020004" pitchFamily="49" charset="0"/>
-                </a:rPr>
-                <a:t>'</a:t>
+                <a:t>'bSSFP.seq'</a:t>
               </a:r>
               <a:r>
                 <a:rPr lang="en-US" sz="1200" dirty="0">
@@ -4009,17 +3974,10 @@
                   </a:solidFill>
                   <a:latin typeface="Fira Code" panose="020B0809050000020004" pitchFamily="49" charset="0"/>
                 </a:rPr>
-                <a:t> = </a:t>
+                <a:t> = sim_or_measure()</a:t>
               </a:r>
-              <a:r>
-                <a:rPr lang="en-US" sz="1200" dirty="0" err="1">
-                  <a:solidFill>
-                    <a:srgbClr val="000000"/>
-                  </a:solidFill>
-                  <a:latin typeface="Fira Code" panose="020B0809050000020004" pitchFamily="49" charset="0"/>
-                </a:rPr>
-                <a:t>sim_or_measure</a:t>
-              </a:r>
+            </a:p>
+            <a:p>
               <a:r>
                 <a:rPr lang="en-US" sz="1200" dirty="0">
                   <a:solidFill>
@@ -4027,10 +3985,8 @@
                   </a:solidFill>
                   <a:latin typeface="Fira Code" panose="020B0809050000020004" pitchFamily="49" charset="0"/>
                 </a:rPr>
-                <a:t>()</a:t>
+                <a:t/>
               </a:r>
-            </a:p>
-            <a:p>
               <a:br>
                 <a:rPr lang="en-US" sz="1200" dirty="0">
                   <a:solidFill>
@@ -4046,16 +4002,7 @@
                   </a:solidFill>
                   <a:latin typeface="Fira Code" panose="020B0809050000020004" pitchFamily="49" charset="0"/>
                 </a:rPr>
-                <a:t># Self-written </a:t>
-              </a:r>
-              <a:r>
-                <a:rPr lang="en-US" sz="1200" dirty="0" err="1">
-                  <a:solidFill>
-                    <a:srgbClr val="008000"/>
-                  </a:solidFill>
-                  <a:latin typeface="Fira Code" panose="020B0809050000020004" pitchFamily="49" charset="0"/>
-                </a:rPr>
-                <a:t>reco</a:t>
+                <a:t># Self-written reco</a:t>
               </a:r>
               <a:endParaRPr lang="en-US" sz="1200" dirty="0">
                 <a:solidFill>
@@ -4066,7 +4013,7 @@
             </a:p>
             <a:p>
               <a:r>
-                <a:rPr lang="en-US" sz="1200" dirty="0" err="1">
+                <a:rPr lang="en-US" sz="1200" dirty="0">
                   <a:solidFill>
                     <a:srgbClr val="001080"/>
                   </a:solidFill>
@@ -4161,7 +4108,7 @@
           <a:lstStyle/>
           <a:p>
             <a:pPr algn="ctr"/>
-            <a:endParaRPr lang="en-US"/>
+            <a:endParaRPr lang="en-US" dirty="0"/>
           </a:p>
         </p:txBody>
       </p:sp>
@@ -4212,7 +4159,7 @@
           <a:lstStyle/>
           <a:p>
             <a:pPr algn="ctr"/>
-            <a:endParaRPr lang="en-US">
+            <a:endParaRPr lang="en-US" dirty="0">
               <a:solidFill>
                 <a:schemeClr val="tx1"/>
               </a:solidFill>
@@ -4266,7 +4213,7 @@
           <a:lstStyle/>
           <a:p>
             <a:pPr algn="ctr"/>
-            <a:endParaRPr lang="en-US">
+            <a:endParaRPr lang="en-US" dirty="0">
               <a:solidFill>
                 <a:schemeClr val="tx1"/>
               </a:solidFill>
@@ -4319,7 +4266,7 @@
           <a:lstStyle/>
           <a:p>
             <a:pPr algn="ctr"/>
-            <a:endParaRPr lang="en-US"/>
+            <a:endParaRPr lang="en-US" dirty="0"/>
           </a:p>
         </p:txBody>
       </p:sp>
@@ -4598,7 +4545,7 @@
             <a:lstStyle/>
             <a:p>
               <a:pPr algn="ctr"/>
-              <a:endParaRPr lang="en-US"/>
+              <a:endParaRPr lang="en-US" dirty="0"/>
             </a:p>
           </p:txBody>
         </p:sp>
@@ -4689,7 +4636,7 @@
             <p:nvPr/>
           </p:nvPicPr>
           <p:blipFill>
-            <a:blip r:embed="rId6">
+            <a:blip r:embed="rId6" cstate="hqprint">
               <a:extLst>
                 <a:ext uri="{28A0092B-C50C-407E-A947-70E740481C1C}">
                   <a14:useLocalDpi xmlns:a14="http://schemas.microsoft.com/office/drawing/2010/main" val="0"/>
@@ -4736,7 +4683,7 @@
             <p:nvPr/>
           </p:nvPicPr>
           <p:blipFill rotWithShape="1">
-            <a:blip r:embed="rId7">
+            <a:blip r:embed="rId7" cstate="hqprint">
               <a:extLst>
                 <a:ext uri="{28A0092B-C50C-407E-A947-70E740481C1C}">
                   <a14:useLocalDpi xmlns:a14="http://schemas.microsoft.com/office/drawing/2010/main" val="0"/>
@@ -4807,7 +4754,7 @@
             <a:lstStyle/>
             <a:p>
               <a:pPr algn="ctr"/>
-              <a:endParaRPr lang="en-US"/>
+              <a:endParaRPr lang="en-US" dirty="0"/>
             </a:p>
           </p:txBody>
         </p:sp>
@@ -4852,7 +4799,7 @@
             <a:lstStyle/>
             <a:p>
               <a:pPr algn="ctr"/>
-              <a:endParaRPr lang="en-US"/>
+              <a:endParaRPr lang="en-US" dirty="0"/>
             </a:p>
           </p:txBody>
         </p:sp>
@@ -4871,7 +4818,7 @@
             <p:nvPr/>
           </p:nvPicPr>
           <p:blipFill rotWithShape="1">
-            <a:blip r:embed="rId8">
+            <a:blip r:embed="rId8" cstate="hqprint">
               <a:extLst>
                 <a:ext uri="{28A0092B-C50C-407E-A947-70E740481C1C}">
                   <a14:useLocalDpi xmlns:a14="http://schemas.microsoft.com/office/drawing/2010/main" val="0"/>
@@ -4932,7 +4879,7 @@
             <a:lstStyle/>
             <a:p>
               <a:pPr algn="ctr"/>
-              <a:endParaRPr lang="en-US"/>
+              <a:endParaRPr lang="en-US" dirty="0"/>
             </a:p>
           </p:txBody>
         </p:sp>
